--- a/paper/tex/img/_ibes_timing.pptx
+++ b/paper/tex/img/_ibes_timing.pptx
@@ -2,12 +2,12 @@
 <file path=ppt/presentation.xml><?xml version="1.0" encoding="utf-8"?>
 <p:presentation xmlns:a="http://schemas.openxmlformats.org/drawingml/2006/main" xmlns:r="http://schemas.openxmlformats.org/officeDocument/2006/relationships" xmlns:p="http://schemas.openxmlformats.org/presentationml/2006/main" saveSubsetFonts="1">
   <p:sldMasterIdLst>
-    <p:sldMasterId id="2147483684" r:id="rId1"/>
+    <p:sldMasterId id="2147483708" r:id="rId1"/>
   </p:sldMasterIdLst>
   <p:sldIdLst>
     <p:sldId id="394" r:id="rId2"/>
   </p:sldIdLst>
-  <p:sldSz cx="12192000" cy="5040313"/>
+  <p:sldSz cx="12192000" cy="3600450"/>
   <p:notesSz cx="6858000" cy="9144000"/>
   <p:defaultTextStyle>
     <a:defPPr>
@@ -104,6 +104,11 @@
       </a:defRPr>
     </a:lvl9pPr>
   </p:defaultTextStyle>
+  <p:extLst>
+    <p:ext uri="{EFAFB233-063F-42B5-8137-9DF3F51BA10A}">
+      <p15:sldGuideLst xmlns:p15="http://schemas.microsoft.com/office/powerpoint/2012/main"/>
+    </p:ext>
+  </p:extLst>
 </p:presentation>
 </file>
 
@@ -136,15 +141,15 @@
         </p:nvSpPr>
         <p:spPr>
           <a:xfrm>
-            <a:off x="1524000" y="824885"/>
-            <a:ext cx="9144000" cy="1754776"/>
+            <a:off x="1524000" y="589241"/>
+            <a:ext cx="9144000" cy="1253490"/>
           </a:xfrm>
         </p:spPr>
         <p:txBody>
           <a:bodyPr anchor="b"/>
           <a:lstStyle>
             <a:lvl1pPr algn="ctr">
-              <a:defRPr sz="4410"/>
+              <a:defRPr sz="3150"/>
             </a:lvl1pPr>
           </a:lstStyle>
           <a:p>
@@ -168,8 +173,8 @@
         </p:nvSpPr>
         <p:spPr>
           <a:xfrm>
-            <a:off x="1524000" y="2647331"/>
-            <a:ext cx="9144000" cy="1216909"/>
+            <a:off x="1524000" y="1891070"/>
+            <a:ext cx="9144000" cy="869275"/>
           </a:xfrm>
         </p:spPr>
         <p:txBody>
@@ -177,39 +182,39 @@
           <a:lstStyle>
             <a:lvl1pPr marL="0" indent="0" algn="ctr">
               <a:buNone/>
-              <a:defRPr sz="1764"/>
+              <a:defRPr sz="1260"/>
             </a:lvl1pPr>
-            <a:lvl2pPr marL="336042" indent="0" algn="ctr">
-              <a:buNone/>
-              <a:defRPr sz="1470"/>
+            <a:lvl2pPr marL="240030" indent="0" algn="ctr">
+              <a:buNone/>
+              <a:defRPr sz="1050"/>
             </a:lvl2pPr>
-            <a:lvl3pPr marL="672084" indent="0" algn="ctr">
-              <a:buNone/>
-              <a:defRPr sz="1323"/>
+            <a:lvl3pPr marL="480060" indent="0" algn="ctr">
+              <a:buNone/>
+              <a:defRPr sz="945"/>
             </a:lvl3pPr>
-            <a:lvl4pPr marL="1008126" indent="0" algn="ctr">
-              <a:buNone/>
-              <a:defRPr sz="1176"/>
+            <a:lvl4pPr marL="720090" indent="0" algn="ctr">
+              <a:buNone/>
+              <a:defRPr sz="840"/>
             </a:lvl4pPr>
-            <a:lvl5pPr marL="1344168" indent="0" algn="ctr">
-              <a:buNone/>
-              <a:defRPr sz="1176"/>
+            <a:lvl5pPr marL="960120" indent="0" algn="ctr">
+              <a:buNone/>
+              <a:defRPr sz="840"/>
             </a:lvl5pPr>
-            <a:lvl6pPr marL="1680210" indent="0" algn="ctr">
-              <a:buNone/>
-              <a:defRPr sz="1176"/>
+            <a:lvl6pPr marL="1200150" indent="0" algn="ctr">
+              <a:buNone/>
+              <a:defRPr sz="840"/>
             </a:lvl6pPr>
-            <a:lvl7pPr marL="2016252" indent="0" algn="ctr">
-              <a:buNone/>
-              <a:defRPr sz="1176"/>
+            <a:lvl7pPr marL="1440180" indent="0" algn="ctr">
+              <a:buNone/>
+              <a:defRPr sz="840"/>
             </a:lvl7pPr>
-            <a:lvl8pPr marL="2352294" indent="0" algn="ctr">
-              <a:buNone/>
-              <a:defRPr sz="1176"/>
+            <a:lvl8pPr marL="1680210" indent="0" algn="ctr">
+              <a:buNone/>
+              <a:defRPr sz="840"/>
             </a:lvl8pPr>
-            <a:lvl9pPr marL="2688336" indent="0" algn="ctr">
-              <a:buNone/>
-              <a:defRPr sz="1176"/>
+            <a:lvl9pPr marL="1920240" indent="0" algn="ctr">
+              <a:buNone/>
+              <a:defRPr sz="840"/>
             </a:lvl9pPr>
           </a:lstStyle>
           <a:p>
@@ -238,7 +243,7 @@
           <a:p>
             <a:fld id="{FF3AB9CA-F5EA-4632-87C9-F1CAA4E509FD}" type="datetimeFigureOut">
               <a:rPr kumimoji="1" lang="ja-JP" altLang="en-US" smtClean="0"/>
-              <a:t>2021/12/27</a:t>
+              <a:t>2022/1/4</a:t>
             </a:fld>
             <a:endParaRPr kumimoji="1" lang="ja-JP" altLang="en-US"/>
           </a:p>
@@ -289,7 +294,7 @@
     </p:spTree>
     <p:extLst>
       <p:ext uri="{BB962C8B-B14F-4D97-AF65-F5344CB8AC3E}">
-        <p14:creationId xmlns:p14="http://schemas.microsoft.com/office/powerpoint/2010/main" val="4048983172"/>
+        <p14:creationId xmlns:p14="http://schemas.microsoft.com/office/powerpoint/2010/main" val="2188478822"/>
       </p:ext>
     </p:extLst>
   </p:cSld>
@@ -440,7 +445,7 @@
           <a:p>
             <a:fld id="{FF3AB9CA-F5EA-4632-87C9-F1CAA4E509FD}" type="datetimeFigureOut">
               <a:rPr kumimoji="1" lang="ja-JP" altLang="en-US" smtClean="0"/>
-              <a:t>2021/12/27</a:t>
+              <a:t>2022/1/4</a:t>
             </a:fld>
             <a:endParaRPr kumimoji="1" lang="ja-JP" altLang="en-US"/>
           </a:p>
@@ -491,7 +496,7 @@
     </p:spTree>
     <p:extLst>
       <p:ext uri="{BB962C8B-B14F-4D97-AF65-F5344CB8AC3E}">
-        <p14:creationId xmlns:p14="http://schemas.microsoft.com/office/powerpoint/2010/main" val="3011929619"/>
+        <p14:creationId xmlns:p14="http://schemas.microsoft.com/office/powerpoint/2010/main" val="1964142488"/>
       </p:ext>
     </p:extLst>
   </p:cSld>
@@ -530,8 +535,8 @@
         </p:nvSpPr>
         <p:spPr>
           <a:xfrm>
-            <a:off x="8724900" y="268350"/>
-            <a:ext cx="2628900" cy="4271432"/>
+            <a:off x="8724900" y="191691"/>
+            <a:ext cx="2628900" cy="3051215"/>
           </a:xfrm>
         </p:spPr>
         <p:txBody>
@@ -558,8 +563,8 @@
         </p:nvSpPr>
         <p:spPr>
           <a:xfrm>
-            <a:off x="838200" y="268350"/>
-            <a:ext cx="7734300" cy="4271432"/>
+            <a:off x="838200" y="191691"/>
+            <a:ext cx="7734300" cy="3051215"/>
           </a:xfrm>
         </p:spPr>
         <p:txBody>
@@ -652,7 +657,7 @@
           <a:p>
             <a:fld id="{FF3AB9CA-F5EA-4632-87C9-F1CAA4E509FD}" type="datetimeFigureOut">
               <a:rPr kumimoji="1" lang="ja-JP" altLang="en-US" smtClean="0"/>
-              <a:t>2021/12/27</a:t>
+              <a:t>2022/1/4</a:t>
             </a:fld>
             <a:endParaRPr kumimoji="1" lang="ja-JP" altLang="en-US"/>
           </a:p>
@@ -703,7 +708,7 @@
     </p:spTree>
     <p:extLst>
       <p:ext uri="{BB962C8B-B14F-4D97-AF65-F5344CB8AC3E}">
-        <p14:creationId xmlns:p14="http://schemas.microsoft.com/office/powerpoint/2010/main" val="634590808"/>
+        <p14:creationId xmlns:p14="http://schemas.microsoft.com/office/powerpoint/2010/main" val="3716618338"/>
       </p:ext>
     </p:extLst>
   </p:cSld>
@@ -854,7 +859,7 @@
           <a:p>
             <a:fld id="{FF3AB9CA-F5EA-4632-87C9-F1CAA4E509FD}" type="datetimeFigureOut">
               <a:rPr kumimoji="1" lang="ja-JP" altLang="en-US" smtClean="0"/>
-              <a:t>2021/12/27</a:t>
+              <a:t>2022/1/4</a:t>
             </a:fld>
             <a:endParaRPr kumimoji="1" lang="ja-JP" altLang="en-US"/>
           </a:p>
@@ -905,7 +910,7 @@
     </p:spTree>
     <p:extLst>
       <p:ext uri="{BB962C8B-B14F-4D97-AF65-F5344CB8AC3E}">
-        <p14:creationId xmlns:p14="http://schemas.microsoft.com/office/powerpoint/2010/main" val="4020958463"/>
+        <p14:creationId xmlns:p14="http://schemas.microsoft.com/office/powerpoint/2010/main" val="918317186"/>
       </p:ext>
     </p:extLst>
   </p:cSld>
@@ -944,15 +949,15 @@
         </p:nvSpPr>
         <p:spPr>
           <a:xfrm>
-            <a:off x="831850" y="1256579"/>
-            <a:ext cx="10515600" cy="2096630"/>
+            <a:off x="831850" y="897613"/>
+            <a:ext cx="10515600" cy="1497687"/>
           </a:xfrm>
         </p:spPr>
         <p:txBody>
           <a:bodyPr anchor="b"/>
           <a:lstStyle>
             <a:lvl1pPr>
-              <a:defRPr sz="4410"/>
+              <a:defRPr sz="3150"/>
             </a:lvl1pPr>
           </a:lstStyle>
           <a:p>
@@ -976,8 +981,8 @@
         </p:nvSpPr>
         <p:spPr>
           <a:xfrm>
-            <a:off x="831850" y="3373044"/>
-            <a:ext cx="10515600" cy="1102568"/>
+            <a:off x="831850" y="2409468"/>
+            <a:ext cx="10515600" cy="787598"/>
           </a:xfrm>
         </p:spPr>
         <p:txBody>
@@ -985,7 +990,7 @@
           <a:lstStyle>
             <a:lvl1pPr marL="0" indent="0">
               <a:buNone/>
-              <a:defRPr sz="1764">
+              <a:defRPr sz="1260">
                 <a:solidFill>
                   <a:schemeClr val="tx1">
                     <a:tint val="75000"/>
@@ -993,9 +998,9 @@
                 </a:solidFill>
               </a:defRPr>
             </a:lvl1pPr>
-            <a:lvl2pPr marL="336042" indent="0">
-              <a:buNone/>
-              <a:defRPr sz="1470">
+            <a:lvl2pPr marL="240030" indent="0">
+              <a:buNone/>
+              <a:defRPr sz="1050">
                 <a:solidFill>
                   <a:schemeClr val="tx1">
                     <a:tint val="75000"/>
@@ -1003,9 +1008,9 @@
                 </a:solidFill>
               </a:defRPr>
             </a:lvl2pPr>
-            <a:lvl3pPr marL="672084" indent="0">
-              <a:buNone/>
-              <a:defRPr sz="1323">
+            <a:lvl3pPr marL="480060" indent="0">
+              <a:buNone/>
+              <a:defRPr sz="945">
                 <a:solidFill>
                   <a:schemeClr val="tx1">
                     <a:tint val="75000"/>
@@ -1013,9 +1018,9 @@
                 </a:solidFill>
               </a:defRPr>
             </a:lvl3pPr>
-            <a:lvl4pPr marL="1008126" indent="0">
-              <a:buNone/>
-              <a:defRPr sz="1176">
+            <a:lvl4pPr marL="720090" indent="0">
+              <a:buNone/>
+              <a:defRPr sz="840">
                 <a:solidFill>
                   <a:schemeClr val="tx1">
                     <a:tint val="75000"/>
@@ -1023,9 +1028,9 @@
                 </a:solidFill>
               </a:defRPr>
             </a:lvl4pPr>
-            <a:lvl5pPr marL="1344168" indent="0">
-              <a:buNone/>
-              <a:defRPr sz="1176">
+            <a:lvl5pPr marL="960120" indent="0">
+              <a:buNone/>
+              <a:defRPr sz="840">
                 <a:solidFill>
                   <a:schemeClr val="tx1">
                     <a:tint val="75000"/>
@@ -1033,9 +1038,9 @@
                 </a:solidFill>
               </a:defRPr>
             </a:lvl5pPr>
-            <a:lvl6pPr marL="1680210" indent="0">
-              <a:buNone/>
-              <a:defRPr sz="1176">
+            <a:lvl6pPr marL="1200150" indent="0">
+              <a:buNone/>
+              <a:defRPr sz="840">
                 <a:solidFill>
                   <a:schemeClr val="tx1">
                     <a:tint val="75000"/>
@@ -1043,9 +1048,9 @@
                 </a:solidFill>
               </a:defRPr>
             </a:lvl6pPr>
-            <a:lvl7pPr marL="2016252" indent="0">
-              <a:buNone/>
-              <a:defRPr sz="1176">
+            <a:lvl7pPr marL="1440180" indent="0">
+              <a:buNone/>
+              <a:defRPr sz="840">
                 <a:solidFill>
                   <a:schemeClr val="tx1">
                     <a:tint val="75000"/>
@@ -1053,9 +1058,9 @@
                 </a:solidFill>
               </a:defRPr>
             </a:lvl7pPr>
-            <a:lvl8pPr marL="2352294" indent="0">
-              <a:buNone/>
-              <a:defRPr sz="1176">
+            <a:lvl8pPr marL="1680210" indent="0">
+              <a:buNone/>
+              <a:defRPr sz="840">
                 <a:solidFill>
                   <a:schemeClr val="tx1">
                     <a:tint val="75000"/>
@@ -1063,9 +1068,9 @@
                 </a:solidFill>
               </a:defRPr>
             </a:lvl8pPr>
-            <a:lvl9pPr marL="2688336" indent="0">
-              <a:buNone/>
-              <a:defRPr sz="1176">
+            <a:lvl9pPr marL="1920240" indent="0">
+              <a:buNone/>
+              <a:defRPr sz="840">
                 <a:solidFill>
                   <a:schemeClr val="tx1">
                     <a:tint val="75000"/>
@@ -1100,7 +1105,7 @@
           <a:p>
             <a:fld id="{FF3AB9CA-F5EA-4632-87C9-F1CAA4E509FD}" type="datetimeFigureOut">
               <a:rPr kumimoji="1" lang="ja-JP" altLang="en-US" smtClean="0"/>
-              <a:t>2021/12/27</a:t>
+              <a:t>2022/1/4</a:t>
             </a:fld>
             <a:endParaRPr kumimoji="1" lang="ja-JP" altLang="en-US"/>
           </a:p>
@@ -1151,7 +1156,7 @@
     </p:spTree>
     <p:extLst>
       <p:ext uri="{BB962C8B-B14F-4D97-AF65-F5344CB8AC3E}">
-        <p14:creationId xmlns:p14="http://schemas.microsoft.com/office/powerpoint/2010/main" val="1662246208"/>
+        <p14:creationId xmlns:p14="http://schemas.microsoft.com/office/powerpoint/2010/main" val="2842688050"/>
       </p:ext>
     </p:extLst>
   </p:cSld>
@@ -1213,8 +1218,8 @@
         </p:nvSpPr>
         <p:spPr>
           <a:xfrm>
-            <a:off x="838200" y="1341750"/>
-            <a:ext cx="5181600" cy="3198032"/>
+            <a:off x="838200" y="958453"/>
+            <a:ext cx="5181600" cy="2284452"/>
           </a:xfrm>
         </p:spPr>
         <p:txBody>
@@ -1302,8 +1307,8 @@
         </p:nvSpPr>
         <p:spPr>
           <a:xfrm>
-            <a:off x="6172200" y="1341750"/>
-            <a:ext cx="5181600" cy="3198032"/>
+            <a:off x="6172200" y="958453"/>
+            <a:ext cx="5181600" cy="2284452"/>
           </a:xfrm>
         </p:spPr>
         <p:txBody>
@@ -1396,7 +1401,7 @@
           <a:p>
             <a:fld id="{FF3AB9CA-F5EA-4632-87C9-F1CAA4E509FD}" type="datetimeFigureOut">
               <a:rPr kumimoji="1" lang="ja-JP" altLang="en-US" smtClean="0"/>
-              <a:t>2021/12/27</a:t>
+              <a:t>2022/1/4</a:t>
             </a:fld>
             <a:endParaRPr kumimoji="1" lang="ja-JP" altLang="en-US"/>
           </a:p>
@@ -1447,7 +1452,7 @@
     </p:spTree>
     <p:extLst>
       <p:ext uri="{BB962C8B-B14F-4D97-AF65-F5344CB8AC3E}">
-        <p14:creationId xmlns:p14="http://schemas.microsoft.com/office/powerpoint/2010/main" val="738079028"/>
+        <p14:creationId xmlns:p14="http://schemas.microsoft.com/office/powerpoint/2010/main" val="893674236"/>
       </p:ext>
     </p:extLst>
   </p:cSld>
@@ -1486,8 +1491,8 @@
         </p:nvSpPr>
         <p:spPr>
           <a:xfrm>
-            <a:off x="839788" y="268350"/>
-            <a:ext cx="10515600" cy="974228"/>
+            <a:off x="839788" y="191691"/>
+            <a:ext cx="10515600" cy="695921"/>
           </a:xfrm>
         </p:spPr>
         <p:txBody>
@@ -1514,8 +1519,8 @@
         </p:nvSpPr>
         <p:spPr>
           <a:xfrm>
-            <a:off x="839789" y="1235577"/>
-            <a:ext cx="5157787" cy="605537"/>
+            <a:off x="839789" y="882610"/>
+            <a:ext cx="5157787" cy="432554"/>
           </a:xfrm>
         </p:spPr>
         <p:txBody>
@@ -1523,39 +1528,39 @@
           <a:lstStyle>
             <a:lvl1pPr marL="0" indent="0">
               <a:buNone/>
-              <a:defRPr sz="1764" b="1"/>
+              <a:defRPr sz="1260" b="1"/>
             </a:lvl1pPr>
-            <a:lvl2pPr marL="336042" indent="0">
-              <a:buNone/>
-              <a:defRPr sz="1470" b="1"/>
+            <a:lvl2pPr marL="240030" indent="0">
+              <a:buNone/>
+              <a:defRPr sz="1050" b="1"/>
             </a:lvl2pPr>
-            <a:lvl3pPr marL="672084" indent="0">
-              <a:buNone/>
-              <a:defRPr sz="1323" b="1"/>
+            <a:lvl3pPr marL="480060" indent="0">
+              <a:buNone/>
+              <a:defRPr sz="945" b="1"/>
             </a:lvl3pPr>
-            <a:lvl4pPr marL="1008126" indent="0">
-              <a:buNone/>
-              <a:defRPr sz="1176" b="1"/>
+            <a:lvl4pPr marL="720090" indent="0">
+              <a:buNone/>
+              <a:defRPr sz="840" b="1"/>
             </a:lvl4pPr>
-            <a:lvl5pPr marL="1344168" indent="0">
-              <a:buNone/>
-              <a:defRPr sz="1176" b="1"/>
+            <a:lvl5pPr marL="960120" indent="0">
+              <a:buNone/>
+              <a:defRPr sz="840" b="1"/>
             </a:lvl5pPr>
-            <a:lvl6pPr marL="1680210" indent="0">
-              <a:buNone/>
-              <a:defRPr sz="1176" b="1"/>
+            <a:lvl6pPr marL="1200150" indent="0">
+              <a:buNone/>
+              <a:defRPr sz="840" b="1"/>
             </a:lvl6pPr>
-            <a:lvl7pPr marL="2016252" indent="0">
-              <a:buNone/>
-              <a:defRPr sz="1176" b="1"/>
+            <a:lvl7pPr marL="1440180" indent="0">
+              <a:buNone/>
+              <a:defRPr sz="840" b="1"/>
             </a:lvl7pPr>
-            <a:lvl8pPr marL="2352294" indent="0">
-              <a:buNone/>
-              <a:defRPr sz="1176" b="1"/>
+            <a:lvl8pPr marL="1680210" indent="0">
+              <a:buNone/>
+              <a:defRPr sz="840" b="1"/>
             </a:lvl8pPr>
-            <a:lvl9pPr marL="2688336" indent="0">
-              <a:buNone/>
-              <a:defRPr sz="1176" b="1"/>
+            <a:lvl9pPr marL="1920240" indent="0">
+              <a:buNone/>
+              <a:defRPr sz="840" b="1"/>
             </a:lvl9pPr>
           </a:lstStyle>
           <a:p>
@@ -1579,8 +1584,8 @@
         </p:nvSpPr>
         <p:spPr>
           <a:xfrm>
-            <a:off x="839789" y="1841114"/>
-            <a:ext cx="5157787" cy="2708002"/>
+            <a:off x="839789" y="1315164"/>
+            <a:ext cx="5157787" cy="1934409"/>
           </a:xfrm>
         </p:spPr>
         <p:txBody>
@@ -1668,8 +1673,8 @@
         </p:nvSpPr>
         <p:spPr>
           <a:xfrm>
-            <a:off x="6172200" y="1235577"/>
-            <a:ext cx="5183188" cy="605537"/>
+            <a:off x="6172200" y="882610"/>
+            <a:ext cx="5183188" cy="432554"/>
           </a:xfrm>
         </p:spPr>
         <p:txBody>
@@ -1677,39 +1682,39 @@
           <a:lstStyle>
             <a:lvl1pPr marL="0" indent="0">
               <a:buNone/>
-              <a:defRPr sz="1764" b="1"/>
+              <a:defRPr sz="1260" b="1"/>
             </a:lvl1pPr>
-            <a:lvl2pPr marL="336042" indent="0">
-              <a:buNone/>
-              <a:defRPr sz="1470" b="1"/>
+            <a:lvl2pPr marL="240030" indent="0">
+              <a:buNone/>
+              <a:defRPr sz="1050" b="1"/>
             </a:lvl2pPr>
-            <a:lvl3pPr marL="672084" indent="0">
-              <a:buNone/>
-              <a:defRPr sz="1323" b="1"/>
+            <a:lvl3pPr marL="480060" indent="0">
+              <a:buNone/>
+              <a:defRPr sz="945" b="1"/>
             </a:lvl3pPr>
-            <a:lvl4pPr marL="1008126" indent="0">
-              <a:buNone/>
-              <a:defRPr sz="1176" b="1"/>
+            <a:lvl4pPr marL="720090" indent="0">
+              <a:buNone/>
+              <a:defRPr sz="840" b="1"/>
             </a:lvl4pPr>
-            <a:lvl5pPr marL="1344168" indent="0">
-              <a:buNone/>
-              <a:defRPr sz="1176" b="1"/>
+            <a:lvl5pPr marL="960120" indent="0">
+              <a:buNone/>
+              <a:defRPr sz="840" b="1"/>
             </a:lvl5pPr>
-            <a:lvl6pPr marL="1680210" indent="0">
-              <a:buNone/>
-              <a:defRPr sz="1176" b="1"/>
+            <a:lvl6pPr marL="1200150" indent="0">
+              <a:buNone/>
+              <a:defRPr sz="840" b="1"/>
             </a:lvl6pPr>
-            <a:lvl7pPr marL="2016252" indent="0">
-              <a:buNone/>
-              <a:defRPr sz="1176" b="1"/>
+            <a:lvl7pPr marL="1440180" indent="0">
+              <a:buNone/>
+              <a:defRPr sz="840" b="1"/>
             </a:lvl7pPr>
-            <a:lvl8pPr marL="2352294" indent="0">
-              <a:buNone/>
-              <a:defRPr sz="1176" b="1"/>
+            <a:lvl8pPr marL="1680210" indent="0">
+              <a:buNone/>
+              <a:defRPr sz="840" b="1"/>
             </a:lvl8pPr>
-            <a:lvl9pPr marL="2688336" indent="0">
-              <a:buNone/>
-              <a:defRPr sz="1176" b="1"/>
+            <a:lvl9pPr marL="1920240" indent="0">
+              <a:buNone/>
+              <a:defRPr sz="840" b="1"/>
             </a:lvl9pPr>
           </a:lstStyle>
           <a:p>
@@ -1733,8 +1738,8 @@
         </p:nvSpPr>
         <p:spPr>
           <a:xfrm>
-            <a:off x="6172200" y="1841114"/>
-            <a:ext cx="5183188" cy="2708002"/>
+            <a:off x="6172200" y="1315164"/>
+            <a:ext cx="5183188" cy="1934409"/>
           </a:xfrm>
         </p:spPr>
         <p:txBody>
@@ -1827,7 +1832,7 @@
           <a:p>
             <a:fld id="{FF3AB9CA-F5EA-4632-87C9-F1CAA4E509FD}" type="datetimeFigureOut">
               <a:rPr kumimoji="1" lang="ja-JP" altLang="en-US" smtClean="0"/>
-              <a:t>2021/12/27</a:t>
+              <a:t>2022/1/4</a:t>
             </a:fld>
             <a:endParaRPr kumimoji="1" lang="ja-JP" altLang="en-US"/>
           </a:p>
@@ -1878,7 +1883,7 @@
     </p:spTree>
     <p:extLst>
       <p:ext uri="{BB962C8B-B14F-4D97-AF65-F5344CB8AC3E}">
-        <p14:creationId xmlns:p14="http://schemas.microsoft.com/office/powerpoint/2010/main" val="2323026725"/>
+        <p14:creationId xmlns:p14="http://schemas.microsoft.com/office/powerpoint/2010/main" val="3493128861"/>
       </p:ext>
     </p:extLst>
   </p:cSld>
@@ -1945,7 +1950,7 @@
           <a:p>
             <a:fld id="{FF3AB9CA-F5EA-4632-87C9-F1CAA4E509FD}" type="datetimeFigureOut">
               <a:rPr kumimoji="1" lang="ja-JP" altLang="en-US" smtClean="0"/>
-              <a:t>2021/12/27</a:t>
+              <a:t>2022/1/4</a:t>
             </a:fld>
             <a:endParaRPr kumimoji="1" lang="ja-JP" altLang="en-US"/>
           </a:p>
@@ -1996,7 +2001,7 @@
     </p:spTree>
     <p:extLst>
       <p:ext uri="{BB962C8B-B14F-4D97-AF65-F5344CB8AC3E}">
-        <p14:creationId xmlns:p14="http://schemas.microsoft.com/office/powerpoint/2010/main" val="3875278605"/>
+        <p14:creationId xmlns:p14="http://schemas.microsoft.com/office/powerpoint/2010/main" val="435634019"/>
       </p:ext>
     </p:extLst>
   </p:cSld>
@@ -2040,7 +2045,7 @@
           <a:p>
             <a:fld id="{FF3AB9CA-F5EA-4632-87C9-F1CAA4E509FD}" type="datetimeFigureOut">
               <a:rPr kumimoji="1" lang="ja-JP" altLang="en-US" smtClean="0"/>
-              <a:t>2021/12/27</a:t>
+              <a:t>2022/1/4</a:t>
             </a:fld>
             <a:endParaRPr kumimoji="1" lang="ja-JP" altLang="en-US"/>
           </a:p>
@@ -2091,7 +2096,7 @@
     </p:spTree>
     <p:extLst>
       <p:ext uri="{BB962C8B-B14F-4D97-AF65-F5344CB8AC3E}">
-        <p14:creationId xmlns:p14="http://schemas.microsoft.com/office/powerpoint/2010/main" val="1008155673"/>
+        <p14:creationId xmlns:p14="http://schemas.microsoft.com/office/powerpoint/2010/main" val="3630754251"/>
       </p:ext>
     </p:extLst>
   </p:cSld>
@@ -2130,15 +2135,15 @@
         </p:nvSpPr>
         <p:spPr>
           <a:xfrm>
-            <a:off x="839789" y="336021"/>
-            <a:ext cx="3932237" cy="1176073"/>
+            <a:off x="839789" y="240030"/>
+            <a:ext cx="3932237" cy="840105"/>
           </a:xfrm>
         </p:spPr>
         <p:txBody>
           <a:bodyPr anchor="b"/>
           <a:lstStyle>
             <a:lvl1pPr>
-              <a:defRPr sz="2352"/>
+              <a:defRPr sz="1680"/>
             </a:lvl1pPr>
           </a:lstStyle>
           <a:p>
@@ -2162,39 +2167,39 @@
         </p:nvSpPr>
         <p:spPr>
           <a:xfrm>
-            <a:off x="5183188" y="725712"/>
-            <a:ext cx="6172200" cy="3581889"/>
+            <a:off x="5183188" y="518398"/>
+            <a:ext cx="6172200" cy="2558653"/>
           </a:xfrm>
         </p:spPr>
         <p:txBody>
           <a:bodyPr/>
           <a:lstStyle>
             <a:lvl1pPr>
-              <a:defRPr sz="2352"/>
+              <a:defRPr sz="1680"/>
             </a:lvl1pPr>
             <a:lvl2pPr>
-              <a:defRPr sz="2058"/>
+              <a:defRPr sz="1470"/>
             </a:lvl2pPr>
             <a:lvl3pPr>
-              <a:defRPr sz="1764"/>
+              <a:defRPr sz="1260"/>
             </a:lvl3pPr>
             <a:lvl4pPr>
-              <a:defRPr sz="1470"/>
+              <a:defRPr sz="1050"/>
             </a:lvl4pPr>
             <a:lvl5pPr>
-              <a:defRPr sz="1470"/>
+              <a:defRPr sz="1050"/>
             </a:lvl5pPr>
             <a:lvl6pPr>
-              <a:defRPr sz="1470"/>
+              <a:defRPr sz="1050"/>
             </a:lvl6pPr>
             <a:lvl7pPr>
-              <a:defRPr sz="1470"/>
+              <a:defRPr sz="1050"/>
             </a:lvl7pPr>
             <a:lvl8pPr>
-              <a:defRPr sz="1470"/>
+              <a:defRPr sz="1050"/>
             </a:lvl8pPr>
             <a:lvl9pPr>
-              <a:defRPr sz="1470"/>
+              <a:defRPr sz="1050"/>
             </a:lvl9pPr>
           </a:lstStyle>
           <a:p>
@@ -2279,8 +2284,8 @@
         </p:nvSpPr>
         <p:spPr>
           <a:xfrm>
-            <a:off x="839789" y="1512094"/>
-            <a:ext cx="3932237" cy="2801341"/>
+            <a:off x="839789" y="1080135"/>
+            <a:ext cx="3932237" cy="2001084"/>
           </a:xfrm>
         </p:spPr>
         <p:txBody>
@@ -2288,39 +2293,39 @@
           <a:lstStyle>
             <a:lvl1pPr marL="0" indent="0">
               <a:buNone/>
-              <a:defRPr sz="1176"/>
+              <a:defRPr sz="840"/>
             </a:lvl1pPr>
-            <a:lvl2pPr marL="336042" indent="0">
-              <a:buNone/>
-              <a:defRPr sz="1029"/>
+            <a:lvl2pPr marL="240030" indent="0">
+              <a:buNone/>
+              <a:defRPr sz="735"/>
             </a:lvl2pPr>
-            <a:lvl3pPr marL="672084" indent="0">
-              <a:buNone/>
-              <a:defRPr sz="882"/>
+            <a:lvl3pPr marL="480060" indent="0">
+              <a:buNone/>
+              <a:defRPr sz="630"/>
             </a:lvl3pPr>
-            <a:lvl4pPr marL="1008126" indent="0">
-              <a:buNone/>
-              <a:defRPr sz="735"/>
+            <a:lvl4pPr marL="720090" indent="0">
+              <a:buNone/>
+              <a:defRPr sz="525"/>
             </a:lvl4pPr>
-            <a:lvl5pPr marL="1344168" indent="0">
-              <a:buNone/>
-              <a:defRPr sz="735"/>
+            <a:lvl5pPr marL="960120" indent="0">
+              <a:buNone/>
+              <a:defRPr sz="525"/>
             </a:lvl5pPr>
-            <a:lvl6pPr marL="1680210" indent="0">
-              <a:buNone/>
-              <a:defRPr sz="735"/>
+            <a:lvl6pPr marL="1200150" indent="0">
+              <a:buNone/>
+              <a:defRPr sz="525"/>
             </a:lvl6pPr>
-            <a:lvl7pPr marL="2016252" indent="0">
-              <a:buNone/>
-              <a:defRPr sz="735"/>
+            <a:lvl7pPr marL="1440180" indent="0">
+              <a:buNone/>
+              <a:defRPr sz="525"/>
             </a:lvl7pPr>
-            <a:lvl8pPr marL="2352294" indent="0">
-              <a:buNone/>
-              <a:defRPr sz="735"/>
+            <a:lvl8pPr marL="1680210" indent="0">
+              <a:buNone/>
+              <a:defRPr sz="525"/>
             </a:lvl8pPr>
-            <a:lvl9pPr marL="2688336" indent="0">
-              <a:buNone/>
-              <a:defRPr sz="735"/>
+            <a:lvl9pPr marL="1920240" indent="0">
+              <a:buNone/>
+              <a:defRPr sz="525"/>
             </a:lvl9pPr>
           </a:lstStyle>
           <a:p>
@@ -2349,7 +2354,7 @@
           <a:p>
             <a:fld id="{FF3AB9CA-F5EA-4632-87C9-F1CAA4E509FD}" type="datetimeFigureOut">
               <a:rPr kumimoji="1" lang="ja-JP" altLang="en-US" smtClean="0"/>
-              <a:t>2021/12/27</a:t>
+              <a:t>2022/1/4</a:t>
             </a:fld>
             <a:endParaRPr kumimoji="1" lang="ja-JP" altLang="en-US"/>
           </a:p>
@@ -2400,7 +2405,7 @@
     </p:spTree>
     <p:extLst>
       <p:ext uri="{BB962C8B-B14F-4D97-AF65-F5344CB8AC3E}">
-        <p14:creationId xmlns:p14="http://schemas.microsoft.com/office/powerpoint/2010/main" val="2141843388"/>
+        <p14:creationId xmlns:p14="http://schemas.microsoft.com/office/powerpoint/2010/main" val="3177172681"/>
       </p:ext>
     </p:extLst>
   </p:cSld>
@@ -2439,15 +2444,15 @@
         </p:nvSpPr>
         <p:spPr>
           <a:xfrm>
-            <a:off x="839789" y="336021"/>
-            <a:ext cx="3932237" cy="1176073"/>
+            <a:off x="839789" y="240030"/>
+            <a:ext cx="3932237" cy="840105"/>
           </a:xfrm>
         </p:spPr>
         <p:txBody>
           <a:bodyPr anchor="b"/>
           <a:lstStyle>
             <a:lvl1pPr>
-              <a:defRPr sz="2352"/>
+              <a:defRPr sz="1680"/>
             </a:lvl1pPr>
           </a:lstStyle>
           <a:p>
@@ -2471,8 +2476,8 @@
         </p:nvSpPr>
         <p:spPr>
           <a:xfrm>
-            <a:off x="5183188" y="725712"/>
-            <a:ext cx="6172200" cy="3581889"/>
+            <a:off x="5183188" y="518398"/>
+            <a:ext cx="6172200" cy="2558653"/>
           </a:xfrm>
         </p:spPr>
         <p:txBody>
@@ -2480,39 +2485,39 @@
           <a:lstStyle>
             <a:lvl1pPr marL="0" indent="0">
               <a:buNone/>
-              <a:defRPr sz="2352"/>
+              <a:defRPr sz="1680"/>
             </a:lvl1pPr>
-            <a:lvl2pPr marL="336042" indent="0">
-              <a:buNone/>
-              <a:defRPr sz="2058"/>
+            <a:lvl2pPr marL="240030" indent="0">
+              <a:buNone/>
+              <a:defRPr sz="1470"/>
             </a:lvl2pPr>
-            <a:lvl3pPr marL="672084" indent="0">
-              <a:buNone/>
-              <a:defRPr sz="1764"/>
+            <a:lvl3pPr marL="480060" indent="0">
+              <a:buNone/>
+              <a:defRPr sz="1260"/>
             </a:lvl3pPr>
-            <a:lvl4pPr marL="1008126" indent="0">
-              <a:buNone/>
-              <a:defRPr sz="1470"/>
+            <a:lvl4pPr marL="720090" indent="0">
+              <a:buNone/>
+              <a:defRPr sz="1050"/>
             </a:lvl4pPr>
-            <a:lvl5pPr marL="1344168" indent="0">
-              <a:buNone/>
-              <a:defRPr sz="1470"/>
+            <a:lvl5pPr marL="960120" indent="0">
+              <a:buNone/>
+              <a:defRPr sz="1050"/>
             </a:lvl5pPr>
-            <a:lvl6pPr marL="1680210" indent="0">
-              <a:buNone/>
-              <a:defRPr sz="1470"/>
+            <a:lvl6pPr marL="1200150" indent="0">
+              <a:buNone/>
+              <a:defRPr sz="1050"/>
             </a:lvl6pPr>
-            <a:lvl7pPr marL="2016252" indent="0">
-              <a:buNone/>
-              <a:defRPr sz="1470"/>
+            <a:lvl7pPr marL="1440180" indent="0">
+              <a:buNone/>
+              <a:defRPr sz="1050"/>
             </a:lvl7pPr>
-            <a:lvl8pPr marL="2352294" indent="0">
-              <a:buNone/>
-              <a:defRPr sz="1470"/>
+            <a:lvl8pPr marL="1680210" indent="0">
+              <a:buNone/>
+              <a:defRPr sz="1050"/>
             </a:lvl8pPr>
-            <a:lvl9pPr marL="2688336" indent="0">
-              <a:buNone/>
-              <a:defRPr sz="1470"/>
+            <a:lvl9pPr marL="1920240" indent="0">
+              <a:buNone/>
+              <a:defRPr sz="1050"/>
             </a:lvl9pPr>
           </a:lstStyle>
           <a:p>
@@ -2536,8 +2541,8 @@
         </p:nvSpPr>
         <p:spPr>
           <a:xfrm>
-            <a:off x="839789" y="1512094"/>
-            <a:ext cx="3932237" cy="2801341"/>
+            <a:off x="839789" y="1080135"/>
+            <a:ext cx="3932237" cy="2001084"/>
           </a:xfrm>
         </p:spPr>
         <p:txBody>
@@ -2545,39 +2550,39 @@
           <a:lstStyle>
             <a:lvl1pPr marL="0" indent="0">
               <a:buNone/>
-              <a:defRPr sz="1176"/>
+              <a:defRPr sz="840"/>
             </a:lvl1pPr>
-            <a:lvl2pPr marL="336042" indent="0">
-              <a:buNone/>
-              <a:defRPr sz="1029"/>
+            <a:lvl2pPr marL="240030" indent="0">
+              <a:buNone/>
+              <a:defRPr sz="735"/>
             </a:lvl2pPr>
-            <a:lvl3pPr marL="672084" indent="0">
-              <a:buNone/>
-              <a:defRPr sz="882"/>
+            <a:lvl3pPr marL="480060" indent="0">
+              <a:buNone/>
+              <a:defRPr sz="630"/>
             </a:lvl3pPr>
-            <a:lvl4pPr marL="1008126" indent="0">
-              <a:buNone/>
-              <a:defRPr sz="735"/>
+            <a:lvl4pPr marL="720090" indent="0">
+              <a:buNone/>
+              <a:defRPr sz="525"/>
             </a:lvl4pPr>
-            <a:lvl5pPr marL="1344168" indent="0">
-              <a:buNone/>
-              <a:defRPr sz="735"/>
+            <a:lvl5pPr marL="960120" indent="0">
+              <a:buNone/>
+              <a:defRPr sz="525"/>
             </a:lvl5pPr>
-            <a:lvl6pPr marL="1680210" indent="0">
-              <a:buNone/>
-              <a:defRPr sz="735"/>
+            <a:lvl6pPr marL="1200150" indent="0">
+              <a:buNone/>
+              <a:defRPr sz="525"/>
             </a:lvl6pPr>
-            <a:lvl7pPr marL="2016252" indent="0">
-              <a:buNone/>
-              <a:defRPr sz="735"/>
+            <a:lvl7pPr marL="1440180" indent="0">
+              <a:buNone/>
+              <a:defRPr sz="525"/>
             </a:lvl7pPr>
-            <a:lvl8pPr marL="2352294" indent="0">
-              <a:buNone/>
-              <a:defRPr sz="735"/>
+            <a:lvl8pPr marL="1680210" indent="0">
+              <a:buNone/>
+              <a:defRPr sz="525"/>
             </a:lvl8pPr>
-            <a:lvl9pPr marL="2688336" indent="0">
-              <a:buNone/>
-              <a:defRPr sz="735"/>
+            <a:lvl9pPr marL="1920240" indent="0">
+              <a:buNone/>
+              <a:defRPr sz="525"/>
             </a:lvl9pPr>
           </a:lstStyle>
           <a:p>
@@ -2606,7 +2611,7 @@
           <a:p>
             <a:fld id="{FF3AB9CA-F5EA-4632-87C9-F1CAA4E509FD}" type="datetimeFigureOut">
               <a:rPr kumimoji="1" lang="ja-JP" altLang="en-US" smtClean="0"/>
-              <a:t>2021/12/27</a:t>
+              <a:t>2022/1/4</a:t>
             </a:fld>
             <a:endParaRPr kumimoji="1" lang="ja-JP" altLang="en-US"/>
           </a:p>
@@ -2657,7 +2662,7 @@
     </p:spTree>
     <p:extLst>
       <p:ext uri="{BB962C8B-B14F-4D97-AF65-F5344CB8AC3E}">
-        <p14:creationId xmlns:p14="http://schemas.microsoft.com/office/powerpoint/2010/main" val="3874915988"/>
+        <p14:creationId xmlns:p14="http://schemas.microsoft.com/office/powerpoint/2010/main" val="3878716705"/>
       </p:ext>
     </p:extLst>
   </p:cSld>
@@ -2701,8 +2706,8 @@
         </p:nvSpPr>
         <p:spPr>
           <a:xfrm>
-            <a:off x="838200" y="268350"/>
-            <a:ext cx="10515600" cy="974228"/>
+            <a:off x="838200" y="191691"/>
+            <a:ext cx="10515600" cy="695921"/>
           </a:xfrm>
           <a:prstGeom prst="rect">
             <a:avLst/>
@@ -2734,8 +2739,8 @@
         </p:nvSpPr>
         <p:spPr>
           <a:xfrm>
-            <a:off x="838200" y="1341750"/>
-            <a:ext cx="10515600" cy="3198032"/>
+            <a:off x="838200" y="958453"/>
+            <a:ext cx="10515600" cy="2284452"/>
           </a:xfrm>
           <a:prstGeom prst="rect">
             <a:avLst/>
@@ -2828,8 +2833,8 @@
         </p:nvSpPr>
         <p:spPr>
           <a:xfrm>
-            <a:off x="838200" y="4671624"/>
-            <a:ext cx="2743200" cy="268350"/>
+            <a:off x="838200" y="3337084"/>
+            <a:ext cx="2743200" cy="191691"/>
           </a:xfrm>
           <a:prstGeom prst="rect">
             <a:avLst/>
@@ -2839,7 +2844,7 @@
           <a:bodyPr vert="horz" lIns="91440" tIns="45720" rIns="91440" bIns="45720" rtlCol="0" anchor="ctr"/>
           <a:lstStyle>
             <a:lvl1pPr algn="l">
-              <a:defRPr sz="882">
+              <a:defRPr sz="630">
                 <a:solidFill>
                   <a:schemeClr val="tx1">
                     <a:tint val="75000"/>
@@ -2851,7 +2856,7 @@
           <a:p>
             <a:fld id="{FF3AB9CA-F5EA-4632-87C9-F1CAA4E509FD}" type="datetimeFigureOut">
               <a:rPr kumimoji="1" lang="ja-JP" altLang="en-US" smtClean="0"/>
-              <a:t>2021/12/27</a:t>
+              <a:t>2022/1/4</a:t>
             </a:fld>
             <a:endParaRPr kumimoji="1" lang="ja-JP" altLang="en-US"/>
           </a:p>
@@ -2869,8 +2874,8 @@
         </p:nvSpPr>
         <p:spPr>
           <a:xfrm>
-            <a:off x="4038600" y="4671624"/>
-            <a:ext cx="4114800" cy="268350"/>
+            <a:off x="4038600" y="3337084"/>
+            <a:ext cx="4114800" cy="191691"/>
           </a:xfrm>
           <a:prstGeom prst="rect">
             <a:avLst/>
@@ -2880,7 +2885,7 @@
           <a:bodyPr vert="horz" lIns="91440" tIns="45720" rIns="91440" bIns="45720" rtlCol="0" anchor="ctr"/>
           <a:lstStyle>
             <a:lvl1pPr algn="ctr">
-              <a:defRPr sz="882">
+              <a:defRPr sz="630">
                 <a:solidFill>
                   <a:schemeClr val="tx1">
                     <a:tint val="75000"/>
@@ -2906,8 +2911,8 @@
         </p:nvSpPr>
         <p:spPr>
           <a:xfrm>
-            <a:off x="8610600" y="4671624"/>
-            <a:ext cx="2743200" cy="268350"/>
+            <a:off x="8610600" y="3337084"/>
+            <a:ext cx="2743200" cy="191691"/>
           </a:xfrm>
           <a:prstGeom prst="rect">
             <a:avLst/>
@@ -2917,7 +2922,7 @@
           <a:bodyPr vert="horz" lIns="91440" tIns="45720" rIns="91440" bIns="45720" rtlCol="0" anchor="ctr"/>
           <a:lstStyle>
             <a:lvl1pPr algn="r">
-              <a:defRPr sz="882">
+              <a:defRPr sz="630">
                 <a:solidFill>
                   <a:schemeClr val="tx1">
                     <a:tint val="75000"/>
@@ -2938,27 +2943,27 @@
     </p:spTree>
     <p:extLst>
       <p:ext uri="{BB962C8B-B14F-4D97-AF65-F5344CB8AC3E}">
-        <p14:creationId xmlns:p14="http://schemas.microsoft.com/office/powerpoint/2010/main" val="2262446130"/>
+        <p14:creationId xmlns:p14="http://schemas.microsoft.com/office/powerpoint/2010/main" val="705245013"/>
       </p:ext>
     </p:extLst>
   </p:cSld>
   <p:clrMap bg1="lt1" tx1="dk1" bg2="lt2" tx2="dk2" accent1="accent1" accent2="accent2" accent3="accent3" accent4="accent4" accent5="accent5" accent6="accent6" hlink="hlink" folHlink="folHlink"/>
   <p:sldLayoutIdLst>
-    <p:sldLayoutId id="2147483685" r:id="rId1"/>
-    <p:sldLayoutId id="2147483686" r:id="rId2"/>
-    <p:sldLayoutId id="2147483687" r:id="rId3"/>
-    <p:sldLayoutId id="2147483688" r:id="rId4"/>
-    <p:sldLayoutId id="2147483689" r:id="rId5"/>
-    <p:sldLayoutId id="2147483690" r:id="rId6"/>
-    <p:sldLayoutId id="2147483691" r:id="rId7"/>
-    <p:sldLayoutId id="2147483692" r:id="rId8"/>
-    <p:sldLayoutId id="2147483693" r:id="rId9"/>
-    <p:sldLayoutId id="2147483694" r:id="rId10"/>
-    <p:sldLayoutId id="2147483695" r:id="rId11"/>
+    <p:sldLayoutId id="2147483709" r:id="rId1"/>
+    <p:sldLayoutId id="2147483710" r:id="rId2"/>
+    <p:sldLayoutId id="2147483711" r:id="rId3"/>
+    <p:sldLayoutId id="2147483712" r:id="rId4"/>
+    <p:sldLayoutId id="2147483713" r:id="rId5"/>
+    <p:sldLayoutId id="2147483714" r:id="rId6"/>
+    <p:sldLayoutId id="2147483715" r:id="rId7"/>
+    <p:sldLayoutId id="2147483716" r:id="rId8"/>
+    <p:sldLayoutId id="2147483717" r:id="rId9"/>
+    <p:sldLayoutId id="2147483718" r:id="rId10"/>
+    <p:sldLayoutId id="2147483719" r:id="rId11"/>
   </p:sldLayoutIdLst>
   <p:txStyles>
     <p:titleStyle>
-      <a:lvl1pPr algn="l" defTabSz="672084" rtl="0" eaLnBrk="1" latinLnBrk="0" hangingPunct="1">
+      <a:lvl1pPr algn="l" defTabSz="480060" rtl="0" eaLnBrk="1" latinLnBrk="0" hangingPunct="1">
         <a:lnSpc>
           <a:spcPct val="90000"/>
         </a:lnSpc>
@@ -2966,7 +2971,7 @@
           <a:spcPct val="0"/>
         </a:spcBef>
         <a:buNone/>
-        <a:defRPr kumimoji="1" sz="3234" kern="1200">
+        <a:defRPr kumimoji="1" sz="2310" kern="1200">
           <a:solidFill>
             <a:schemeClr val="tx1"/>
           </a:solidFill>
@@ -2977,48 +2982,12 @@
       </a:lvl1pPr>
     </p:titleStyle>
     <p:bodyStyle>
-      <a:lvl1pPr marL="168021" indent="-168021" algn="l" defTabSz="672084" rtl="0" eaLnBrk="1" latinLnBrk="0" hangingPunct="1">
+      <a:lvl1pPr marL="120015" indent="-120015" algn="l" defTabSz="480060" rtl="0" eaLnBrk="1" latinLnBrk="0" hangingPunct="1">
         <a:lnSpc>
           <a:spcPct val="90000"/>
         </a:lnSpc>
         <a:spcBef>
-          <a:spcPts val="735"/>
-        </a:spcBef>
-        <a:buFont typeface="Arial" panose="020B0604020202020204" pitchFamily="34" charset="0"/>
-        <a:buChar char="•"/>
-        <a:defRPr kumimoji="1" sz="2058" kern="1200">
-          <a:solidFill>
-            <a:schemeClr val="tx1"/>
-          </a:solidFill>
-          <a:latin typeface="+mn-lt"/>
-          <a:ea typeface="+mn-ea"/>
-          <a:cs typeface="+mn-cs"/>
-        </a:defRPr>
-      </a:lvl1pPr>
-      <a:lvl2pPr marL="504063" indent="-168021" algn="l" defTabSz="672084" rtl="0" eaLnBrk="1" latinLnBrk="0" hangingPunct="1">
-        <a:lnSpc>
-          <a:spcPct val="90000"/>
-        </a:lnSpc>
-        <a:spcBef>
-          <a:spcPts val="368"/>
-        </a:spcBef>
-        <a:buFont typeface="Arial" panose="020B0604020202020204" pitchFamily="34" charset="0"/>
-        <a:buChar char="•"/>
-        <a:defRPr kumimoji="1" sz="1764" kern="1200">
-          <a:solidFill>
-            <a:schemeClr val="tx1"/>
-          </a:solidFill>
-          <a:latin typeface="+mn-lt"/>
-          <a:ea typeface="+mn-ea"/>
-          <a:cs typeface="+mn-cs"/>
-        </a:defRPr>
-      </a:lvl2pPr>
-      <a:lvl3pPr marL="840105" indent="-168021" algn="l" defTabSz="672084" rtl="0" eaLnBrk="1" latinLnBrk="0" hangingPunct="1">
-        <a:lnSpc>
-          <a:spcPct val="90000"/>
-        </a:lnSpc>
-        <a:spcBef>
-          <a:spcPts val="368"/>
+          <a:spcPts val="525"/>
         </a:spcBef>
         <a:buFont typeface="Arial" panose="020B0604020202020204" pitchFamily="34" charset="0"/>
         <a:buChar char="•"/>
@@ -3030,17 +2999,53 @@
           <a:ea typeface="+mn-ea"/>
           <a:cs typeface="+mn-cs"/>
         </a:defRPr>
-      </a:lvl3pPr>
-      <a:lvl4pPr marL="1176147" indent="-168021" algn="l" defTabSz="672084" rtl="0" eaLnBrk="1" latinLnBrk="0" hangingPunct="1">
+      </a:lvl1pPr>
+      <a:lvl2pPr marL="360045" indent="-120015" algn="l" defTabSz="480060" rtl="0" eaLnBrk="1" latinLnBrk="0" hangingPunct="1">
         <a:lnSpc>
           <a:spcPct val="90000"/>
         </a:lnSpc>
         <a:spcBef>
-          <a:spcPts val="368"/>
+          <a:spcPts val="263"/>
         </a:spcBef>
         <a:buFont typeface="Arial" panose="020B0604020202020204" pitchFamily="34" charset="0"/>
         <a:buChar char="•"/>
-        <a:defRPr kumimoji="1" sz="1323" kern="1200">
+        <a:defRPr kumimoji="1" sz="1260" kern="1200">
+          <a:solidFill>
+            <a:schemeClr val="tx1"/>
+          </a:solidFill>
+          <a:latin typeface="+mn-lt"/>
+          <a:ea typeface="+mn-ea"/>
+          <a:cs typeface="+mn-cs"/>
+        </a:defRPr>
+      </a:lvl2pPr>
+      <a:lvl3pPr marL="600075" indent="-120015" algn="l" defTabSz="480060" rtl="0" eaLnBrk="1" latinLnBrk="0" hangingPunct="1">
+        <a:lnSpc>
+          <a:spcPct val="90000"/>
+        </a:lnSpc>
+        <a:spcBef>
+          <a:spcPts val="263"/>
+        </a:spcBef>
+        <a:buFont typeface="Arial" panose="020B0604020202020204" pitchFamily="34" charset="0"/>
+        <a:buChar char="•"/>
+        <a:defRPr kumimoji="1" sz="1050" kern="1200">
+          <a:solidFill>
+            <a:schemeClr val="tx1"/>
+          </a:solidFill>
+          <a:latin typeface="+mn-lt"/>
+          <a:ea typeface="+mn-ea"/>
+          <a:cs typeface="+mn-cs"/>
+        </a:defRPr>
+      </a:lvl3pPr>
+      <a:lvl4pPr marL="840105" indent="-120015" algn="l" defTabSz="480060" rtl="0" eaLnBrk="1" latinLnBrk="0" hangingPunct="1">
+        <a:lnSpc>
+          <a:spcPct val="90000"/>
+        </a:lnSpc>
+        <a:spcBef>
+          <a:spcPts val="263"/>
+        </a:spcBef>
+        <a:buFont typeface="Arial" panose="020B0604020202020204" pitchFamily="34" charset="0"/>
+        <a:buChar char="•"/>
+        <a:defRPr kumimoji="1" sz="945" kern="1200">
           <a:solidFill>
             <a:schemeClr val="tx1"/>
           </a:solidFill>
@@ -3049,16 +3054,16 @@
           <a:cs typeface="+mn-cs"/>
         </a:defRPr>
       </a:lvl4pPr>
-      <a:lvl5pPr marL="1512189" indent="-168021" algn="l" defTabSz="672084" rtl="0" eaLnBrk="1" latinLnBrk="0" hangingPunct="1">
+      <a:lvl5pPr marL="1080135" indent="-120015" algn="l" defTabSz="480060" rtl="0" eaLnBrk="1" latinLnBrk="0" hangingPunct="1">
         <a:lnSpc>
           <a:spcPct val="90000"/>
         </a:lnSpc>
         <a:spcBef>
-          <a:spcPts val="368"/>
+          <a:spcPts val="263"/>
         </a:spcBef>
         <a:buFont typeface="Arial" panose="020B0604020202020204" pitchFamily="34" charset="0"/>
         <a:buChar char="•"/>
-        <a:defRPr kumimoji="1" sz="1323" kern="1200">
+        <a:defRPr kumimoji="1" sz="945" kern="1200">
           <a:solidFill>
             <a:schemeClr val="tx1"/>
           </a:solidFill>
@@ -3067,16 +3072,16 @@
           <a:cs typeface="+mn-cs"/>
         </a:defRPr>
       </a:lvl5pPr>
-      <a:lvl6pPr marL="1848231" indent="-168021" algn="l" defTabSz="672084" rtl="0" eaLnBrk="1" latinLnBrk="0" hangingPunct="1">
+      <a:lvl6pPr marL="1320165" indent="-120015" algn="l" defTabSz="480060" rtl="0" eaLnBrk="1" latinLnBrk="0" hangingPunct="1">
         <a:lnSpc>
           <a:spcPct val="90000"/>
         </a:lnSpc>
         <a:spcBef>
-          <a:spcPts val="368"/>
+          <a:spcPts val="263"/>
         </a:spcBef>
         <a:buFont typeface="Arial" panose="020B0604020202020204" pitchFamily="34" charset="0"/>
         <a:buChar char="•"/>
-        <a:defRPr kumimoji="1" sz="1323" kern="1200">
+        <a:defRPr kumimoji="1" sz="945" kern="1200">
           <a:solidFill>
             <a:schemeClr val="tx1"/>
           </a:solidFill>
@@ -3085,16 +3090,16 @@
           <a:cs typeface="+mn-cs"/>
         </a:defRPr>
       </a:lvl6pPr>
-      <a:lvl7pPr marL="2184273" indent="-168021" algn="l" defTabSz="672084" rtl="0" eaLnBrk="1" latinLnBrk="0" hangingPunct="1">
+      <a:lvl7pPr marL="1560195" indent="-120015" algn="l" defTabSz="480060" rtl="0" eaLnBrk="1" latinLnBrk="0" hangingPunct="1">
         <a:lnSpc>
           <a:spcPct val="90000"/>
         </a:lnSpc>
         <a:spcBef>
-          <a:spcPts val="368"/>
+          <a:spcPts val="263"/>
         </a:spcBef>
         <a:buFont typeface="Arial" panose="020B0604020202020204" pitchFamily="34" charset="0"/>
         <a:buChar char="•"/>
-        <a:defRPr kumimoji="1" sz="1323" kern="1200">
+        <a:defRPr kumimoji="1" sz="945" kern="1200">
           <a:solidFill>
             <a:schemeClr val="tx1"/>
           </a:solidFill>
@@ -3103,16 +3108,16 @@
           <a:cs typeface="+mn-cs"/>
         </a:defRPr>
       </a:lvl7pPr>
-      <a:lvl8pPr marL="2520315" indent="-168021" algn="l" defTabSz="672084" rtl="0" eaLnBrk="1" latinLnBrk="0" hangingPunct="1">
+      <a:lvl8pPr marL="1800225" indent="-120015" algn="l" defTabSz="480060" rtl="0" eaLnBrk="1" latinLnBrk="0" hangingPunct="1">
         <a:lnSpc>
           <a:spcPct val="90000"/>
         </a:lnSpc>
         <a:spcBef>
-          <a:spcPts val="368"/>
+          <a:spcPts val="263"/>
         </a:spcBef>
         <a:buFont typeface="Arial" panose="020B0604020202020204" pitchFamily="34" charset="0"/>
         <a:buChar char="•"/>
-        <a:defRPr kumimoji="1" sz="1323" kern="1200">
+        <a:defRPr kumimoji="1" sz="945" kern="1200">
           <a:solidFill>
             <a:schemeClr val="tx1"/>
           </a:solidFill>
@@ -3121,16 +3126,16 @@
           <a:cs typeface="+mn-cs"/>
         </a:defRPr>
       </a:lvl8pPr>
-      <a:lvl9pPr marL="2856357" indent="-168021" algn="l" defTabSz="672084" rtl="0" eaLnBrk="1" latinLnBrk="0" hangingPunct="1">
+      <a:lvl9pPr marL="2040255" indent="-120015" algn="l" defTabSz="480060" rtl="0" eaLnBrk="1" latinLnBrk="0" hangingPunct="1">
         <a:lnSpc>
           <a:spcPct val="90000"/>
         </a:lnSpc>
         <a:spcBef>
-          <a:spcPts val="368"/>
+          <a:spcPts val="263"/>
         </a:spcBef>
         <a:buFont typeface="Arial" panose="020B0604020202020204" pitchFamily="34" charset="0"/>
         <a:buChar char="•"/>
-        <a:defRPr kumimoji="1" sz="1323" kern="1200">
+        <a:defRPr kumimoji="1" sz="945" kern="1200">
           <a:solidFill>
             <a:schemeClr val="tx1"/>
           </a:solidFill>
@@ -3144,8 +3149,8 @@
       <a:defPPr>
         <a:defRPr lang="en-US"/>
       </a:defPPr>
-      <a:lvl1pPr marL="0" algn="l" defTabSz="672084" rtl="0" eaLnBrk="1" latinLnBrk="0" hangingPunct="1">
-        <a:defRPr kumimoji="1" sz="1323" kern="1200">
+      <a:lvl1pPr marL="0" algn="l" defTabSz="480060" rtl="0" eaLnBrk="1" latinLnBrk="0" hangingPunct="1">
+        <a:defRPr kumimoji="1" sz="945" kern="1200">
           <a:solidFill>
             <a:schemeClr val="tx1"/>
           </a:solidFill>
@@ -3154,8 +3159,8 @@
           <a:cs typeface="+mn-cs"/>
         </a:defRPr>
       </a:lvl1pPr>
-      <a:lvl2pPr marL="336042" algn="l" defTabSz="672084" rtl="0" eaLnBrk="1" latinLnBrk="0" hangingPunct="1">
-        <a:defRPr kumimoji="1" sz="1323" kern="1200">
+      <a:lvl2pPr marL="240030" algn="l" defTabSz="480060" rtl="0" eaLnBrk="1" latinLnBrk="0" hangingPunct="1">
+        <a:defRPr kumimoji="1" sz="945" kern="1200">
           <a:solidFill>
             <a:schemeClr val="tx1"/>
           </a:solidFill>
@@ -3164,8 +3169,8 @@
           <a:cs typeface="+mn-cs"/>
         </a:defRPr>
       </a:lvl2pPr>
-      <a:lvl3pPr marL="672084" algn="l" defTabSz="672084" rtl="0" eaLnBrk="1" latinLnBrk="0" hangingPunct="1">
-        <a:defRPr kumimoji="1" sz="1323" kern="1200">
+      <a:lvl3pPr marL="480060" algn="l" defTabSz="480060" rtl="0" eaLnBrk="1" latinLnBrk="0" hangingPunct="1">
+        <a:defRPr kumimoji="1" sz="945" kern="1200">
           <a:solidFill>
             <a:schemeClr val="tx1"/>
           </a:solidFill>
@@ -3174,8 +3179,8 @@
           <a:cs typeface="+mn-cs"/>
         </a:defRPr>
       </a:lvl3pPr>
-      <a:lvl4pPr marL="1008126" algn="l" defTabSz="672084" rtl="0" eaLnBrk="1" latinLnBrk="0" hangingPunct="1">
-        <a:defRPr kumimoji="1" sz="1323" kern="1200">
+      <a:lvl4pPr marL="720090" algn="l" defTabSz="480060" rtl="0" eaLnBrk="1" latinLnBrk="0" hangingPunct="1">
+        <a:defRPr kumimoji="1" sz="945" kern="1200">
           <a:solidFill>
             <a:schemeClr val="tx1"/>
           </a:solidFill>
@@ -3184,8 +3189,8 @@
           <a:cs typeface="+mn-cs"/>
         </a:defRPr>
       </a:lvl4pPr>
-      <a:lvl5pPr marL="1344168" algn="l" defTabSz="672084" rtl="0" eaLnBrk="1" latinLnBrk="0" hangingPunct="1">
-        <a:defRPr kumimoji="1" sz="1323" kern="1200">
+      <a:lvl5pPr marL="960120" algn="l" defTabSz="480060" rtl="0" eaLnBrk="1" latinLnBrk="0" hangingPunct="1">
+        <a:defRPr kumimoji="1" sz="945" kern="1200">
           <a:solidFill>
             <a:schemeClr val="tx1"/>
           </a:solidFill>
@@ -3194,8 +3199,8 @@
           <a:cs typeface="+mn-cs"/>
         </a:defRPr>
       </a:lvl5pPr>
-      <a:lvl6pPr marL="1680210" algn="l" defTabSz="672084" rtl="0" eaLnBrk="1" latinLnBrk="0" hangingPunct="1">
-        <a:defRPr kumimoji="1" sz="1323" kern="1200">
+      <a:lvl6pPr marL="1200150" algn="l" defTabSz="480060" rtl="0" eaLnBrk="1" latinLnBrk="0" hangingPunct="1">
+        <a:defRPr kumimoji="1" sz="945" kern="1200">
           <a:solidFill>
             <a:schemeClr val="tx1"/>
           </a:solidFill>
@@ -3204,8 +3209,8 @@
           <a:cs typeface="+mn-cs"/>
         </a:defRPr>
       </a:lvl6pPr>
-      <a:lvl7pPr marL="2016252" algn="l" defTabSz="672084" rtl="0" eaLnBrk="1" latinLnBrk="0" hangingPunct="1">
-        <a:defRPr kumimoji="1" sz="1323" kern="1200">
+      <a:lvl7pPr marL="1440180" algn="l" defTabSz="480060" rtl="0" eaLnBrk="1" latinLnBrk="0" hangingPunct="1">
+        <a:defRPr kumimoji="1" sz="945" kern="1200">
           <a:solidFill>
             <a:schemeClr val="tx1"/>
           </a:solidFill>
@@ -3214,8 +3219,8 @@
           <a:cs typeface="+mn-cs"/>
         </a:defRPr>
       </a:lvl7pPr>
-      <a:lvl8pPr marL="2352294" algn="l" defTabSz="672084" rtl="0" eaLnBrk="1" latinLnBrk="0" hangingPunct="1">
-        <a:defRPr kumimoji="1" sz="1323" kern="1200">
+      <a:lvl8pPr marL="1680210" algn="l" defTabSz="480060" rtl="0" eaLnBrk="1" latinLnBrk="0" hangingPunct="1">
+        <a:defRPr kumimoji="1" sz="945" kern="1200">
           <a:solidFill>
             <a:schemeClr val="tx1"/>
           </a:solidFill>
@@ -3224,8 +3229,8 @@
           <a:cs typeface="+mn-cs"/>
         </a:defRPr>
       </a:lvl8pPr>
-      <a:lvl9pPr marL="2688336" algn="l" defTabSz="672084" rtl="0" eaLnBrk="1" latinLnBrk="0" hangingPunct="1">
-        <a:defRPr kumimoji="1" sz="1323" kern="1200">
+      <a:lvl9pPr marL="1920240" algn="l" defTabSz="480060" rtl="0" eaLnBrk="1" latinLnBrk="0" hangingPunct="1">
+        <a:defRPr kumimoji="1" sz="945" kern="1200">
           <a:solidFill>
             <a:schemeClr val="tx1"/>
           </a:solidFill>
@@ -3270,7 +3275,7 @@
         </p:nvSpPr>
         <p:spPr>
           <a:xfrm>
-            <a:off x="4190275" y="2605878"/>
+            <a:off x="4190275" y="1885947"/>
             <a:ext cx="3803380" cy="532650"/>
           </a:xfrm>
           <a:prstGeom prst="rect">
@@ -3332,7 +3337,7 @@
         </p:nvSpPr>
         <p:spPr>
           <a:xfrm>
-            <a:off x="377479" y="2605878"/>
+            <a:off x="377481" y="1885947"/>
             <a:ext cx="3812791" cy="532650"/>
           </a:xfrm>
           <a:prstGeom prst="rect">
@@ -3410,7 +3415,7 @@
         </p:nvGrpSpPr>
         <p:grpSpPr>
           <a:xfrm>
-            <a:off x="3697431" y="1626594"/>
+            <a:off x="3697431" y="906665"/>
             <a:ext cx="5233014" cy="936905"/>
             <a:chOff x="3697431" y="2649736"/>
             <a:chExt cx="5233014" cy="936905"/>
@@ -4139,8 +4144,8 @@
         </p:nvSpPr>
         <p:spPr>
           <a:xfrm>
-            <a:off x="4082908" y="4119099"/>
-            <a:ext cx="4801314" cy="923330"/>
+            <a:off x="4082908" y="2924720"/>
+            <a:ext cx="4801314" cy="646331"/>
           </a:xfrm>
           <a:prstGeom prst="rect">
             <a:avLst/>
@@ -4161,13 +4166,6 @@
               </a:rPr>
               <a:t>時系列モデルの予測タイミング</a:t>
             </a:r>
-            <a:endParaRPr lang="en-US" altLang="ja-JP" b="1" dirty="0">
-              <a:latin typeface="ＭＳ 明朝" panose="02020609040205080304" pitchFamily="17" charset="-128"/>
-              <a:ea typeface="ＭＳ 明朝" panose="02020609040205080304" pitchFamily="17" charset="-128"/>
-            </a:endParaRPr>
-          </a:p>
-          <a:p>
-            <a:pPr algn="ctr"/>
             <a:endParaRPr lang="en-US" altLang="ja-JP" b="1" dirty="0">
               <a:latin typeface="ＭＳ 明朝" panose="02020609040205080304" pitchFamily="17" charset="-128"/>
               <a:ea typeface="ＭＳ 明朝" panose="02020609040205080304" pitchFamily="17" charset="-128"/>
@@ -4226,8 +4224,8 @@
         </p:nvCxnSpPr>
         <p:spPr>
           <a:xfrm>
-            <a:off x="6483570" y="1503953"/>
-            <a:ext cx="1" cy="1080000"/>
+            <a:off x="6483565" y="1010194"/>
+            <a:ext cx="6" cy="853828"/>
           </a:xfrm>
           <a:prstGeom prst="straightConnector1">
             <a:avLst/>
@@ -4270,8 +4268,8 @@
         </p:nvCxnSpPr>
         <p:spPr>
           <a:xfrm flipV="1">
-            <a:off x="6483570" y="3147513"/>
-            <a:ext cx="1" cy="900000"/>
+            <a:off x="6483565" y="2427582"/>
+            <a:ext cx="6" cy="496788"/>
           </a:xfrm>
           <a:prstGeom prst="straightConnector1">
             <a:avLst/>
@@ -4312,7 +4310,7 @@
         </p:nvSpPr>
         <p:spPr>
           <a:xfrm>
-            <a:off x="6091966" y="1024197"/>
+            <a:off x="6103451" y="598028"/>
             <a:ext cx="791434" cy="400110"/>
           </a:xfrm>
           <a:prstGeom prst="rect">
@@ -4354,8 +4352,8 @@
         </p:nvSpPr>
         <p:spPr>
           <a:xfrm>
-            <a:off x="3081577" y="-1584"/>
-            <a:ext cx="6823186" cy="923330"/>
+            <a:off x="3081577" y="46220"/>
+            <a:ext cx="6823186" cy="646331"/>
           </a:xfrm>
           <a:prstGeom prst="rect">
             <a:avLst/>
@@ -4384,13 +4382,6 @@
               </a:rPr>
               <a:t>業績予想のタイミング</a:t>
             </a:r>
-            <a:endParaRPr lang="en-US" altLang="ja-JP" b="1" dirty="0">
-              <a:latin typeface="ＭＳ 明朝" panose="02020609040205080304" pitchFamily="17" charset="-128"/>
-              <a:ea typeface="ＭＳ 明朝" panose="02020609040205080304" pitchFamily="17" charset="-128"/>
-            </a:endParaRPr>
-          </a:p>
-          <a:p>
-            <a:pPr algn="ctr"/>
             <a:endParaRPr lang="en-US" altLang="ja-JP" b="1" dirty="0">
               <a:latin typeface="ＭＳ 明朝" panose="02020609040205080304" pitchFamily="17" charset="-128"/>
               <a:ea typeface="ＭＳ 明朝" panose="02020609040205080304" pitchFamily="17" charset="-128"/>
@@ -4505,7 +4496,7 @@
         </p:nvSpPr>
         <p:spPr>
           <a:xfrm>
-            <a:off x="7993660" y="2605878"/>
+            <a:off x="7993662" y="1885947"/>
             <a:ext cx="3812791" cy="532650"/>
           </a:xfrm>
           <a:prstGeom prst="rect">

--- a/paper/tex/img/_ibes_timing.pptx
+++ b/paper/tex/img/_ibes_timing.pptx
@@ -2,12 +2,12 @@
 <file path=ppt/presentation.xml><?xml version="1.0" encoding="utf-8"?>
 <p:presentation xmlns:a="http://schemas.openxmlformats.org/drawingml/2006/main" xmlns:r="http://schemas.openxmlformats.org/officeDocument/2006/relationships" xmlns:p="http://schemas.openxmlformats.org/presentationml/2006/main" saveSubsetFonts="1">
   <p:sldMasterIdLst>
-    <p:sldMasterId id="2147483708" r:id="rId1"/>
+    <p:sldMasterId id="2147483804" r:id="rId1"/>
   </p:sldMasterIdLst>
   <p:sldIdLst>
     <p:sldId id="394" r:id="rId2"/>
   </p:sldIdLst>
-  <p:sldSz cx="12192000" cy="3600450"/>
+  <p:sldSz cx="9001125" cy="2952750"/>
   <p:notesSz cx="6858000" cy="9144000"/>
   <p:defaultTextStyle>
     <a:defPPr>
@@ -141,15 +141,15 @@
         </p:nvSpPr>
         <p:spPr>
           <a:xfrm>
-            <a:off x="1524000" y="589241"/>
-            <a:ext cx="9144000" cy="1253490"/>
+            <a:off x="1125141" y="483240"/>
+            <a:ext cx="6750844" cy="1027994"/>
           </a:xfrm>
         </p:spPr>
         <p:txBody>
           <a:bodyPr anchor="b"/>
           <a:lstStyle>
             <a:lvl1pPr algn="ctr">
-              <a:defRPr sz="3150"/>
+              <a:defRPr sz="2584"/>
             </a:lvl1pPr>
           </a:lstStyle>
           <a:p>
@@ -173,8 +173,8 @@
         </p:nvSpPr>
         <p:spPr>
           <a:xfrm>
-            <a:off x="1524000" y="1891070"/>
-            <a:ext cx="9144000" cy="869275"/>
+            <a:off x="1125141" y="1550877"/>
+            <a:ext cx="6750844" cy="712898"/>
           </a:xfrm>
         </p:spPr>
         <p:txBody>
@@ -182,39 +182,39 @@
           <a:lstStyle>
             <a:lvl1pPr marL="0" indent="0" algn="ctr">
               <a:buNone/>
-              <a:defRPr sz="1260"/>
+              <a:defRPr sz="1033"/>
             </a:lvl1pPr>
-            <a:lvl2pPr marL="240030" indent="0" algn="ctr">
-              <a:buNone/>
-              <a:defRPr sz="1050"/>
+            <a:lvl2pPr marL="196870" indent="0" algn="ctr">
+              <a:buNone/>
+              <a:defRPr sz="861"/>
             </a:lvl2pPr>
-            <a:lvl3pPr marL="480060" indent="0" algn="ctr">
-              <a:buNone/>
-              <a:defRPr sz="945"/>
+            <a:lvl3pPr marL="393741" indent="0" algn="ctr">
+              <a:buNone/>
+              <a:defRPr sz="775"/>
             </a:lvl3pPr>
-            <a:lvl4pPr marL="720090" indent="0" algn="ctr">
-              <a:buNone/>
-              <a:defRPr sz="840"/>
+            <a:lvl4pPr marL="590611" indent="0" algn="ctr">
+              <a:buNone/>
+              <a:defRPr sz="689"/>
             </a:lvl4pPr>
-            <a:lvl5pPr marL="960120" indent="0" algn="ctr">
-              <a:buNone/>
-              <a:defRPr sz="840"/>
+            <a:lvl5pPr marL="787481" indent="0" algn="ctr">
+              <a:buNone/>
+              <a:defRPr sz="689"/>
             </a:lvl5pPr>
-            <a:lvl6pPr marL="1200150" indent="0" algn="ctr">
-              <a:buNone/>
-              <a:defRPr sz="840"/>
+            <a:lvl6pPr marL="984352" indent="0" algn="ctr">
+              <a:buNone/>
+              <a:defRPr sz="689"/>
             </a:lvl6pPr>
-            <a:lvl7pPr marL="1440180" indent="0" algn="ctr">
-              <a:buNone/>
-              <a:defRPr sz="840"/>
+            <a:lvl7pPr marL="1181222" indent="0" algn="ctr">
+              <a:buNone/>
+              <a:defRPr sz="689"/>
             </a:lvl7pPr>
-            <a:lvl8pPr marL="1680210" indent="0" algn="ctr">
-              <a:buNone/>
-              <a:defRPr sz="840"/>
+            <a:lvl8pPr marL="1378092" indent="0" algn="ctr">
+              <a:buNone/>
+              <a:defRPr sz="689"/>
             </a:lvl8pPr>
-            <a:lvl9pPr marL="1920240" indent="0" algn="ctr">
-              <a:buNone/>
-              <a:defRPr sz="840"/>
+            <a:lvl9pPr marL="1574963" indent="0" algn="ctr">
+              <a:buNone/>
+              <a:defRPr sz="689"/>
             </a:lvl9pPr>
           </a:lstStyle>
           <a:p>
@@ -243,7 +243,7 @@
           <a:p>
             <a:fld id="{FF3AB9CA-F5EA-4632-87C9-F1CAA4E509FD}" type="datetimeFigureOut">
               <a:rPr kumimoji="1" lang="ja-JP" altLang="en-US" smtClean="0"/>
-              <a:t>2022/1/4</a:t>
+              <a:t>2022/1/6</a:t>
             </a:fld>
             <a:endParaRPr kumimoji="1" lang="ja-JP" altLang="en-US"/>
           </a:p>
@@ -294,7 +294,7 @@
     </p:spTree>
     <p:extLst>
       <p:ext uri="{BB962C8B-B14F-4D97-AF65-F5344CB8AC3E}">
-        <p14:creationId xmlns:p14="http://schemas.microsoft.com/office/powerpoint/2010/main" val="2188478822"/>
+        <p14:creationId xmlns:p14="http://schemas.microsoft.com/office/powerpoint/2010/main" val="133382513"/>
       </p:ext>
     </p:extLst>
   </p:cSld>
@@ -445,7 +445,7 @@
           <a:p>
             <a:fld id="{FF3AB9CA-F5EA-4632-87C9-F1CAA4E509FD}" type="datetimeFigureOut">
               <a:rPr kumimoji="1" lang="ja-JP" altLang="en-US" smtClean="0"/>
-              <a:t>2022/1/4</a:t>
+              <a:t>2022/1/6</a:t>
             </a:fld>
             <a:endParaRPr kumimoji="1" lang="ja-JP" altLang="en-US"/>
           </a:p>
@@ -496,7 +496,7 @@
     </p:spTree>
     <p:extLst>
       <p:ext uri="{BB962C8B-B14F-4D97-AF65-F5344CB8AC3E}">
-        <p14:creationId xmlns:p14="http://schemas.microsoft.com/office/powerpoint/2010/main" val="1964142488"/>
+        <p14:creationId xmlns:p14="http://schemas.microsoft.com/office/powerpoint/2010/main" val="2599702210"/>
       </p:ext>
     </p:extLst>
   </p:cSld>
@@ -535,8 +535,8 @@
         </p:nvSpPr>
         <p:spPr>
           <a:xfrm>
-            <a:off x="8724900" y="191691"/>
-            <a:ext cx="2628900" cy="3051215"/>
+            <a:off x="6441430" y="157207"/>
+            <a:ext cx="1940868" cy="2502319"/>
           </a:xfrm>
         </p:spPr>
         <p:txBody>
@@ -563,8 +563,8 @@
         </p:nvSpPr>
         <p:spPr>
           <a:xfrm>
-            <a:off x="838200" y="191691"/>
-            <a:ext cx="7734300" cy="3051215"/>
+            <a:off x="618827" y="157207"/>
+            <a:ext cx="5710089" cy="2502319"/>
           </a:xfrm>
         </p:spPr>
         <p:txBody>
@@ -657,7 +657,7 @@
           <a:p>
             <a:fld id="{FF3AB9CA-F5EA-4632-87C9-F1CAA4E509FD}" type="datetimeFigureOut">
               <a:rPr kumimoji="1" lang="ja-JP" altLang="en-US" smtClean="0"/>
-              <a:t>2022/1/4</a:t>
+              <a:t>2022/1/6</a:t>
             </a:fld>
             <a:endParaRPr kumimoji="1" lang="ja-JP" altLang="en-US"/>
           </a:p>
@@ -708,7 +708,7 @@
     </p:spTree>
     <p:extLst>
       <p:ext uri="{BB962C8B-B14F-4D97-AF65-F5344CB8AC3E}">
-        <p14:creationId xmlns:p14="http://schemas.microsoft.com/office/powerpoint/2010/main" val="3716618338"/>
+        <p14:creationId xmlns:p14="http://schemas.microsoft.com/office/powerpoint/2010/main" val="1864688747"/>
       </p:ext>
     </p:extLst>
   </p:cSld>
@@ -859,7 +859,7 @@
           <a:p>
             <a:fld id="{FF3AB9CA-F5EA-4632-87C9-F1CAA4E509FD}" type="datetimeFigureOut">
               <a:rPr kumimoji="1" lang="ja-JP" altLang="en-US" smtClean="0"/>
-              <a:t>2022/1/4</a:t>
+              <a:t>2022/1/6</a:t>
             </a:fld>
             <a:endParaRPr kumimoji="1" lang="ja-JP" altLang="en-US"/>
           </a:p>
@@ -910,7 +910,7 @@
     </p:spTree>
     <p:extLst>
       <p:ext uri="{BB962C8B-B14F-4D97-AF65-F5344CB8AC3E}">
-        <p14:creationId xmlns:p14="http://schemas.microsoft.com/office/powerpoint/2010/main" val="918317186"/>
+        <p14:creationId xmlns:p14="http://schemas.microsoft.com/office/powerpoint/2010/main" val="1115781361"/>
       </p:ext>
     </p:extLst>
   </p:cSld>
@@ -949,15 +949,15 @@
         </p:nvSpPr>
         <p:spPr>
           <a:xfrm>
-            <a:off x="831850" y="897613"/>
-            <a:ext cx="10515600" cy="1497687"/>
+            <a:off x="614139" y="736137"/>
+            <a:ext cx="7763470" cy="1228262"/>
           </a:xfrm>
         </p:spPr>
         <p:txBody>
           <a:bodyPr anchor="b"/>
           <a:lstStyle>
             <a:lvl1pPr>
-              <a:defRPr sz="3150"/>
+              <a:defRPr sz="2584"/>
             </a:lvl1pPr>
           </a:lstStyle>
           <a:p>
@@ -981,8 +981,8 @@
         </p:nvSpPr>
         <p:spPr>
           <a:xfrm>
-            <a:off x="831850" y="2409468"/>
-            <a:ext cx="10515600" cy="787598"/>
+            <a:off x="614139" y="1976019"/>
+            <a:ext cx="7763470" cy="645914"/>
           </a:xfrm>
         </p:spPr>
         <p:txBody>
@@ -990,7 +990,7 @@
           <a:lstStyle>
             <a:lvl1pPr marL="0" indent="0">
               <a:buNone/>
-              <a:defRPr sz="1260">
+              <a:defRPr sz="1033">
                 <a:solidFill>
                   <a:schemeClr val="tx1">
                     <a:tint val="75000"/>
@@ -998,9 +998,9 @@
                 </a:solidFill>
               </a:defRPr>
             </a:lvl1pPr>
-            <a:lvl2pPr marL="240030" indent="0">
-              <a:buNone/>
-              <a:defRPr sz="1050">
+            <a:lvl2pPr marL="196870" indent="0">
+              <a:buNone/>
+              <a:defRPr sz="861">
                 <a:solidFill>
                   <a:schemeClr val="tx1">
                     <a:tint val="75000"/>
@@ -1008,9 +1008,9 @@
                 </a:solidFill>
               </a:defRPr>
             </a:lvl2pPr>
-            <a:lvl3pPr marL="480060" indent="0">
-              <a:buNone/>
-              <a:defRPr sz="945">
+            <a:lvl3pPr marL="393741" indent="0">
+              <a:buNone/>
+              <a:defRPr sz="775">
                 <a:solidFill>
                   <a:schemeClr val="tx1">
                     <a:tint val="75000"/>
@@ -1018,9 +1018,9 @@
                 </a:solidFill>
               </a:defRPr>
             </a:lvl3pPr>
-            <a:lvl4pPr marL="720090" indent="0">
-              <a:buNone/>
-              <a:defRPr sz="840">
+            <a:lvl4pPr marL="590611" indent="0">
+              <a:buNone/>
+              <a:defRPr sz="689">
                 <a:solidFill>
                   <a:schemeClr val="tx1">
                     <a:tint val="75000"/>
@@ -1028,9 +1028,9 @@
                 </a:solidFill>
               </a:defRPr>
             </a:lvl4pPr>
-            <a:lvl5pPr marL="960120" indent="0">
-              <a:buNone/>
-              <a:defRPr sz="840">
+            <a:lvl5pPr marL="787481" indent="0">
+              <a:buNone/>
+              <a:defRPr sz="689">
                 <a:solidFill>
                   <a:schemeClr val="tx1">
                     <a:tint val="75000"/>
@@ -1038,9 +1038,9 @@
                 </a:solidFill>
               </a:defRPr>
             </a:lvl5pPr>
-            <a:lvl6pPr marL="1200150" indent="0">
-              <a:buNone/>
-              <a:defRPr sz="840">
+            <a:lvl6pPr marL="984352" indent="0">
+              <a:buNone/>
+              <a:defRPr sz="689">
                 <a:solidFill>
                   <a:schemeClr val="tx1">
                     <a:tint val="75000"/>
@@ -1048,9 +1048,9 @@
                 </a:solidFill>
               </a:defRPr>
             </a:lvl6pPr>
-            <a:lvl7pPr marL="1440180" indent="0">
-              <a:buNone/>
-              <a:defRPr sz="840">
+            <a:lvl7pPr marL="1181222" indent="0">
+              <a:buNone/>
+              <a:defRPr sz="689">
                 <a:solidFill>
                   <a:schemeClr val="tx1">
                     <a:tint val="75000"/>
@@ -1058,9 +1058,9 @@
                 </a:solidFill>
               </a:defRPr>
             </a:lvl7pPr>
-            <a:lvl8pPr marL="1680210" indent="0">
-              <a:buNone/>
-              <a:defRPr sz="840">
+            <a:lvl8pPr marL="1378092" indent="0">
+              <a:buNone/>
+              <a:defRPr sz="689">
                 <a:solidFill>
                   <a:schemeClr val="tx1">
                     <a:tint val="75000"/>
@@ -1068,9 +1068,9 @@
                 </a:solidFill>
               </a:defRPr>
             </a:lvl8pPr>
-            <a:lvl9pPr marL="1920240" indent="0">
-              <a:buNone/>
-              <a:defRPr sz="840">
+            <a:lvl9pPr marL="1574963" indent="0">
+              <a:buNone/>
+              <a:defRPr sz="689">
                 <a:solidFill>
                   <a:schemeClr val="tx1">
                     <a:tint val="75000"/>
@@ -1105,7 +1105,7 @@
           <a:p>
             <a:fld id="{FF3AB9CA-F5EA-4632-87C9-F1CAA4E509FD}" type="datetimeFigureOut">
               <a:rPr kumimoji="1" lang="ja-JP" altLang="en-US" smtClean="0"/>
-              <a:t>2022/1/4</a:t>
+              <a:t>2022/1/6</a:t>
             </a:fld>
             <a:endParaRPr kumimoji="1" lang="ja-JP" altLang="en-US"/>
           </a:p>
@@ -1156,7 +1156,7 @@
     </p:spTree>
     <p:extLst>
       <p:ext uri="{BB962C8B-B14F-4D97-AF65-F5344CB8AC3E}">
-        <p14:creationId xmlns:p14="http://schemas.microsoft.com/office/powerpoint/2010/main" val="2842688050"/>
+        <p14:creationId xmlns:p14="http://schemas.microsoft.com/office/powerpoint/2010/main" val="208192086"/>
       </p:ext>
     </p:extLst>
   </p:cSld>
@@ -1218,8 +1218,8 @@
         </p:nvSpPr>
         <p:spPr>
           <a:xfrm>
-            <a:off x="838200" y="958453"/>
-            <a:ext cx="5181600" cy="2284452"/>
+            <a:off x="618827" y="786033"/>
+            <a:ext cx="3825478" cy="1873493"/>
           </a:xfrm>
         </p:spPr>
         <p:txBody>
@@ -1307,8 +1307,8 @@
         </p:nvSpPr>
         <p:spPr>
           <a:xfrm>
-            <a:off x="6172200" y="958453"/>
-            <a:ext cx="5181600" cy="2284452"/>
+            <a:off x="4556820" y="786033"/>
+            <a:ext cx="3825478" cy="1873493"/>
           </a:xfrm>
         </p:spPr>
         <p:txBody>
@@ -1401,7 +1401,7 @@
           <a:p>
             <a:fld id="{FF3AB9CA-F5EA-4632-87C9-F1CAA4E509FD}" type="datetimeFigureOut">
               <a:rPr kumimoji="1" lang="ja-JP" altLang="en-US" smtClean="0"/>
-              <a:t>2022/1/4</a:t>
+              <a:t>2022/1/6</a:t>
             </a:fld>
             <a:endParaRPr kumimoji="1" lang="ja-JP" altLang="en-US"/>
           </a:p>
@@ -1452,7 +1452,7 @@
     </p:spTree>
     <p:extLst>
       <p:ext uri="{BB962C8B-B14F-4D97-AF65-F5344CB8AC3E}">
-        <p14:creationId xmlns:p14="http://schemas.microsoft.com/office/powerpoint/2010/main" val="893674236"/>
+        <p14:creationId xmlns:p14="http://schemas.microsoft.com/office/powerpoint/2010/main" val="3452081502"/>
       </p:ext>
     </p:extLst>
   </p:cSld>
@@ -1491,8 +1491,8 @@
         </p:nvSpPr>
         <p:spPr>
           <a:xfrm>
-            <a:off x="839788" y="191691"/>
-            <a:ext cx="10515600" cy="695921"/>
+            <a:off x="620000" y="157207"/>
+            <a:ext cx="7763470" cy="570729"/>
           </a:xfrm>
         </p:spPr>
         <p:txBody>
@@ -1519,8 +1519,8 @@
         </p:nvSpPr>
         <p:spPr>
           <a:xfrm>
-            <a:off x="839789" y="882610"/>
-            <a:ext cx="5157787" cy="432554"/>
+            <a:off x="620000" y="723834"/>
+            <a:ext cx="3807897" cy="354740"/>
           </a:xfrm>
         </p:spPr>
         <p:txBody>
@@ -1528,39 +1528,39 @@
           <a:lstStyle>
             <a:lvl1pPr marL="0" indent="0">
               <a:buNone/>
-              <a:defRPr sz="1260" b="1"/>
+              <a:defRPr sz="1033" b="1"/>
             </a:lvl1pPr>
-            <a:lvl2pPr marL="240030" indent="0">
-              <a:buNone/>
-              <a:defRPr sz="1050" b="1"/>
+            <a:lvl2pPr marL="196870" indent="0">
+              <a:buNone/>
+              <a:defRPr sz="861" b="1"/>
             </a:lvl2pPr>
-            <a:lvl3pPr marL="480060" indent="0">
-              <a:buNone/>
-              <a:defRPr sz="945" b="1"/>
+            <a:lvl3pPr marL="393741" indent="0">
+              <a:buNone/>
+              <a:defRPr sz="775" b="1"/>
             </a:lvl3pPr>
-            <a:lvl4pPr marL="720090" indent="0">
-              <a:buNone/>
-              <a:defRPr sz="840" b="1"/>
+            <a:lvl4pPr marL="590611" indent="0">
+              <a:buNone/>
+              <a:defRPr sz="689" b="1"/>
             </a:lvl4pPr>
-            <a:lvl5pPr marL="960120" indent="0">
-              <a:buNone/>
-              <a:defRPr sz="840" b="1"/>
+            <a:lvl5pPr marL="787481" indent="0">
+              <a:buNone/>
+              <a:defRPr sz="689" b="1"/>
             </a:lvl5pPr>
-            <a:lvl6pPr marL="1200150" indent="0">
-              <a:buNone/>
-              <a:defRPr sz="840" b="1"/>
+            <a:lvl6pPr marL="984352" indent="0">
+              <a:buNone/>
+              <a:defRPr sz="689" b="1"/>
             </a:lvl6pPr>
-            <a:lvl7pPr marL="1440180" indent="0">
-              <a:buNone/>
-              <a:defRPr sz="840" b="1"/>
+            <a:lvl7pPr marL="1181222" indent="0">
+              <a:buNone/>
+              <a:defRPr sz="689" b="1"/>
             </a:lvl7pPr>
-            <a:lvl8pPr marL="1680210" indent="0">
-              <a:buNone/>
-              <a:defRPr sz="840" b="1"/>
+            <a:lvl8pPr marL="1378092" indent="0">
+              <a:buNone/>
+              <a:defRPr sz="689" b="1"/>
             </a:lvl8pPr>
-            <a:lvl9pPr marL="1920240" indent="0">
-              <a:buNone/>
-              <a:defRPr sz="840" b="1"/>
+            <a:lvl9pPr marL="1574963" indent="0">
+              <a:buNone/>
+              <a:defRPr sz="689" b="1"/>
             </a:lvl9pPr>
           </a:lstStyle>
           <a:p>
@@ -1584,8 +1584,8 @@
         </p:nvSpPr>
         <p:spPr>
           <a:xfrm>
-            <a:off x="839789" y="1315164"/>
-            <a:ext cx="5157787" cy="1934409"/>
+            <a:off x="620000" y="1078574"/>
+            <a:ext cx="3807897" cy="1586420"/>
           </a:xfrm>
         </p:spPr>
         <p:txBody>
@@ -1673,8 +1673,8 @@
         </p:nvSpPr>
         <p:spPr>
           <a:xfrm>
-            <a:off x="6172200" y="882610"/>
-            <a:ext cx="5183188" cy="432554"/>
+            <a:off x="4556819" y="723834"/>
+            <a:ext cx="3826651" cy="354740"/>
           </a:xfrm>
         </p:spPr>
         <p:txBody>
@@ -1682,39 +1682,39 @@
           <a:lstStyle>
             <a:lvl1pPr marL="0" indent="0">
               <a:buNone/>
-              <a:defRPr sz="1260" b="1"/>
+              <a:defRPr sz="1033" b="1"/>
             </a:lvl1pPr>
-            <a:lvl2pPr marL="240030" indent="0">
-              <a:buNone/>
-              <a:defRPr sz="1050" b="1"/>
+            <a:lvl2pPr marL="196870" indent="0">
+              <a:buNone/>
+              <a:defRPr sz="861" b="1"/>
             </a:lvl2pPr>
-            <a:lvl3pPr marL="480060" indent="0">
-              <a:buNone/>
-              <a:defRPr sz="945" b="1"/>
+            <a:lvl3pPr marL="393741" indent="0">
+              <a:buNone/>
+              <a:defRPr sz="775" b="1"/>
             </a:lvl3pPr>
-            <a:lvl4pPr marL="720090" indent="0">
-              <a:buNone/>
-              <a:defRPr sz="840" b="1"/>
+            <a:lvl4pPr marL="590611" indent="0">
+              <a:buNone/>
+              <a:defRPr sz="689" b="1"/>
             </a:lvl4pPr>
-            <a:lvl5pPr marL="960120" indent="0">
-              <a:buNone/>
-              <a:defRPr sz="840" b="1"/>
+            <a:lvl5pPr marL="787481" indent="0">
+              <a:buNone/>
+              <a:defRPr sz="689" b="1"/>
             </a:lvl5pPr>
-            <a:lvl6pPr marL="1200150" indent="0">
-              <a:buNone/>
-              <a:defRPr sz="840" b="1"/>
+            <a:lvl6pPr marL="984352" indent="0">
+              <a:buNone/>
+              <a:defRPr sz="689" b="1"/>
             </a:lvl6pPr>
-            <a:lvl7pPr marL="1440180" indent="0">
-              <a:buNone/>
-              <a:defRPr sz="840" b="1"/>
+            <a:lvl7pPr marL="1181222" indent="0">
+              <a:buNone/>
+              <a:defRPr sz="689" b="1"/>
             </a:lvl7pPr>
-            <a:lvl8pPr marL="1680210" indent="0">
-              <a:buNone/>
-              <a:defRPr sz="840" b="1"/>
+            <a:lvl8pPr marL="1378092" indent="0">
+              <a:buNone/>
+              <a:defRPr sz="689" b="1"/>
             </a:lvl8pPr>
-            <a:lvl9pPr marL="1920240" indent="0">
-              <a:buNone/>
-              <a:defRPr sz="840" b="1"/>
+            <a:lvl9pPr marL="1574963" indent="0">
+              <a:buNone/>
+              <a:defRPr sz="689" b="1"/>
             </a:lvl9pPr>
           </a:lstStyle>
           <a:p>
@@ -1738,8 +1738,8 @@
         </p:nvSpPr>
         <p:spPr>
           <a:xfrm>
-            <a:off x="6172200" y="1315164"/>
-            <a:ext cx="5183188" cy="1934409"/>
+            <a:off x="4556819" y="1078574"/>
+            <a:ext cx="3826651" cy="1586420"/>
           </a:xfrm>
         </p:spPr>
         <p:txBody>
@@ -1832,7 +1832,7 @@
           <a:p>
             <a:fld id="{FF3AB9CA-F5EA-4632-87C9-F1CAA4E509FD}" type="datetimeFigureOut">
               <a:rPr kumimoji="1" lang="ja-JP" altLang="en-US" smtClean="0"/>
-              <a:t>2022/1/4</a:t>
+              <a:t>2022/1/6</a:t>
             </a:fld>
             <a:endParaRPr kumimoji="1" lang="ja-JP" altLang="en-US"/>
           </a:p>
@@ -1883,7 +1883,7 @@
     </p:spTree>
     <p:extLst>
       <p:ext uri="{BB962C8B-B14F-4D97-AF65-F5344CB8AC3E}">
-        <p14:creationId xmlns:p14="http://schemas.microsoft.com/office/powerpoint/2010/main" val="3493128861"/>
+        <p14:creationId xmlns:p14="http://schemas.microsoft.com/office/powerpoint/2010/main" val="3607042836"/>
       </p:ext>
     </p:extLst>
   </p:cSld>
@@ -1950,7 +1950,7 @@
           <a:p>
             <a:fld id="{FF3AB9CA-F5EA-4632-87C9-F1CAA4E509FD}" type="datetimeFigureOut">
               <a:rPr kumimoji="1" lang="ja-JP" altLang="en-US" smtClean="0"/>
-              <a:t>2022/1/4</a:t>
+              <a:t>2022/1/6</a:t>
             </a:fld>
             <a:endParaRPr kumimoji="1" lang="ja-JP" altLang="en-US"/>
           </a:p>
@@ -2001,7 +2001,7 @@
     </p:spTree>
     <p:extLst>
       <p:ext uri="{BB962C8B-B14F-4D97-AF65-F5344CB8AC3E}">
-        <p14:creationId xmlns:p14="http://schemas.microsoft.com/office/powerpoint/2010/main" val="435634019"/>
+        <p14:creationId xmlns:p14="http://schemas.microsoft.com/office/powerpoint/2010/main" val="1618430827"/>
       </p:ext>
     </p:extLst>
   </p:cSld>
@@ -2045,7 +2045,7 @@
           <a:p>
             <a:fld id="{FF3AB9CA-F5EA-4632-87C9-F1CAA4E509FD}" type="datetimeFigureOut">
               <a:rPr kumimoji="1" lang="ja-JP" altLang="en-US" smtClean="0"/>
-              <a:t>2022/1/4</a:t>
+              <a:t>2022/1/6</a:t>
             </a:fld>
             <a:endParaRPr kumimoji="1" lang="ja-JP" altLang="en-US"/>
           </a:p>
@@ -2096,7 +2096,7 @@
     </p:spTree>
     <p:extLst>
       <p:ext uri="{BB962C8B-B14F-4D97-AF65-F5344CB8AC3E}">
-        <p14:creationId xmlns:p14="http://schemas.microsoft.com/office/powerpoint/2010/main" val="3630754251"/>
+        <p14:creationId xmlns:p14="http://schemas.microsoft.com/office/powerpoint/2010/main" val="2217554388"/>
       </p:ext>
     </p:extLst>
   </p:cSld>
@@ -2135,15 +2135,15 @@
         </p:nvSpPr>
         <p:spPr>
           <a:xfrm>
-            <a:off x="839789" y="240030"/>
-            <a:ext cx="3932237" cy="840105"/>
+            <a:off x="620000" y="196850"/>
+            <a:ext cx="2903097" cy="688975"/>
           </a:xfrm>
         </p:spPr>
         <p:txBody>
           <a:bodyPr anchor="b"/>
           <a:lstStyle>
             <a:lvl1pPr>
-              <a:defRPr sz="1680"/>
+              <a:defRPr sz="1378"/>
             </a:lvl1pPr>
           </a:lstStyle>
           <a:p>
@@ -2167,39 +2167,39 @@
         </p:nvSpPr>
         <p:spPr>
           <a:xfrm>
-            <a:off x="5183188" y="518398"/>
-            <a:ext cx="6172200" cy="2558653"/>
+            <a:off x="3826650" y="425142"/>
+            <a:ext cx="4556820" cy="2098366"/>
           </a:xfrm>
         </p:spPr>
         <p:txBody>
           <a:bodyPr/>
           <a:lstStyle>
             <a:lvl1pPr>
-              <a:defRPr sz="1680"/>
+              <a:defRPr sz="1378"/>
             </a:lvl1pPr>
             <a:lvl2pPr>
-              <a:defRPr sz="1470"/>
+              <a:defRPr sz="1206"/>
             </a:lvl2pPr>
             <a:lvl3pPr>
-              <a:defRPr sz="1260"/>
+              <a:defRPr sz="1033"/>
             </a:lvl3pPr>
             <a:lvl4pPr>
-              <a:defRPr sz="1050"/>
+              <a:defRPr sz="861"/>
             </a:lvl4pPr>
             <a:lvl5pPr>
-              <a:defRPr sz="1050"/>
+              <a:defRPr sz="861"/>
             </a:lvl5pPr>
             <a:lvl6pPr>
-              <a:defRPr sz="1050"/>
+              <a:defRPr sz="861"/>
             </a:lvl6pPr>
             <a:lvl7pPr>
-              <a:defRPr sz="1050"/>
+              <a:defRPr sz="861"/>
             </a:lvl7pPr>
             <a:lvl8pPr>
-              <a:defRPr sz="1050"/>
+              <a:defRPr sz="861"/>
             </a:lvl8pPr>
             <a:lvl9pPr>
-              <a:defRPr sz="1050"/>
+              <a:defRPr sz="861"/>
             </a:lvl9pPr>
           </a:lstStyle>
           <a:p>
@@ -2284,8 +2284,8 @@
         </p:nvSpPr>
         <p:spPr>
           <a:xfrm>
-            <a:off x="839789" y="1080135"/>
-            <a:ext cx="3932237" cy="2001084"/>
+            <a:off x="620000" y="885825"/>
+            <a:ext cx="2903097" cy="1641100"/>
           </a:xfrm>
         </p:spPr>
         <p:txBody>
@@ -2293,39 +2293,39 @@
           <a:lstStyle>
             <a:lvl1pPr marL="0" indent="0">
               <a:buNone/>
-              <a:defRPr sz="840"/>
+              <a:defRPr sz="689"/>
             </a:lvl1pPr>
-            <a:lvl2pPr marL="240030" indent="0">
-              <a:buNone/>
-              <a:defRPr sz="735"/>
+            <a:lvl2pPr marL="196870" indent="0">
+              <a:buNone/>
+              <a:defRPr sz="603"/>
             </a:lvl2pPr>
-            <a:lvl3pPr marL="480060" indent="0">
-              <a:buNone/>
-              <a:defRPr sz="630"/>
+            <a:lvl3pPr marL="393741" indent="0">
+              <a:buNone/>
+              <a:defRPr sz="517"/>
             </a:lvl3pPr>
-            <a:lvl4pPr marL="720090" indent="0">
-              <a:buNone/>
-              <a:defRPr sz="525"/>
+            <a:lvl4pPr marL="590611" indent="0">
+              <a:buNone/>
+              <a:defRPr sz="431"/>
             </a:lvl4pPr>
-            <a:lvl5pPr marL="960120" indent="0">
-              <a:buNone/>
-              <a:defRPr sz="525"/>
+            <a:lvl5pPr marL="787481" indent="0">
+              <a:buNone/>
+              <a:defRPr sz="431"/>
             </a:lvl5pPr>
-            <a:lvl6pPr marL="1200150" indent="0">
-              <a:buNone/>
-              <a:defRPr sz="525"/>
+            <a:lvl6pPr marL="984352" indent="0">
+              <a:buNone/>
+              <a:defRPr sz="431"/>
             </a:lvl6pPr>
-            <a:lvl7pPr marL="1440180" indent="0">
-              <a:buNone/>
-              <a:defRPr sz="525"/>
+            <a:lvl7pPr marL="1181222" indent="0">
+              <a:buNone/>
+              <a:defRPr sz="431"/>
             </a:lvl7pPr>
-            <a:lvl8pPr marL="1680210" indent="0">
-              <a:buNone/>
-              <a:defRPr sz="525"/>
+            <a:lvl8pPr marL="1378092" indent="0">
+              <a:buNone/>
+              <a:defRPr sz="431"/>
             </a:lvl8pPr>
-            <a:lvl9pPr marL="1920240" indent="0">
-              <a:buNone/>
-              <a:defRPr sz="525"/>
+            <a:lvl9pPr marL="1574963" indent="0">
+              <a:buNone/>
+              <a:defRPr sz="431"/>
             </a:lvl9pPr>
           </a:lstStyle>
           <a:p>
@@ -2354,7 +2354,7 @@
           <a:p>
             <a:fld id="{FF3AB9CA-F5EA-4632-87C9-F1CAA4E509FD}" type="datetimeFigureOut">
               <a:rPr kumimoji="1" lang="ja-JP" altLang="en-US" smtClean="0"/>
-              <a:t>2022/1/4</a:t>
+              <a:t>2022/1/6</a:t>
             </a:fld>
             <a:endParaRPr kumimoji="1" lang="ja-JP" altLang="en-US"/>
           </a:p>
@@ -2405,7 +2405,7 @@
     </p:spTree>
     <p:extLst>
       <p:ext uri="{BB962C8B-B14F-4D97-AF65-F5344CB8AC3E}">
-        <p14:creationId xmlns:p14="http://schemas.microsoft.com/office/powerpoint/2010/main" val="3177172681"/>
+        <p14:creationId xmlns:p14="http://schemas.microsoft.com/office/powerpoint/2010/main" val="1684347488"/>
       </p:ext>
     </p:extLst>
   </p:cSld>
@@ -2444,15 +2444,15 @@
         </p:nvSpPr>
         <p:spPr>
           <a:xfrm>
-            <a:off x="839789" y="240030"/>
-            <a:ext cx="3932237" cy="840105"/>
+            <a:off x="620000" y="196850"/>
+            <a:ext cx="2903097" cy="688975"/>
           </a:xfrm>
         </p:spPr>
         <p:txBody>
           <a:bodyPr anchor="b"/>
           <a:lstStyle>
             <a:lvl1pPr>
-              <a:defRPr sz="1680"/>
+              <a:defRPr sz="1378"/>
             </a:lvl1pPr>
           </a:lstStyle>
           <a:p>
@@ -2476,8 +2476,8 @@
         </p:nvSpPr>
         <p:spPr>
           <a:xfrm>
-            <a:off x="5183188" y="518398"/>
-            <a:ext cx="6172200" cy="2558653"/>
+            <a:off x="3826650" y="425142"/>
+            <a:ext cx="4556820" cy="2098366"/>
           </a:xfrm>
         </p:spPr>
         <p:txBody>
@@ -2485,39 +2485,39 @@
           <a:lstStyle>
             <a:lvl1pPr marL="0" indent="0">
               <a:buNone/>
-              <a:defRPr sz="1680"/>
+              <a:defRPr sz="1378"/>
             </a:lvl1pPr>
-            <a:lvl2pPr marL="240030" indent="0">
-              <a:buNone/>
-              <a:defRPr sz="1470"/>
+            <a:lvl2pPr marL="196870" indent="0">
+              <a:buNone/>
+              <a:defRPr sz="1206"/>
             </a:lvl2pPr>
-            <a:lvl3pPr marL="480060" indent="0">
-              <a:buNone/>
-              <a:defRPr sz="1260"/>
+            <a:lvl3pPr marL="393741" indent="0">
+              <a:buNone/>
+              <a:defRPr sz="1033"/>
             </a:lvl3pPr>
-            <a:lvl4pPr marL="720090" indent="0">
-              <a:buNone/>
-              <a:defRPr sz="1050"/>
+            <a:lvl4pPr marL="590611" indent="0">
+              <a:buNone/>
+              <a:defRPr sz="861"/>
             </a:lvl4pPr>
-            <a:lvl5pPr marL="960120" indent="0">
-              <a:buNone/>
-              <a:defRPr sz="1050"/>
+            <a:lvl5pPr marL="787481" indent="0">
+              <a:buNone/>
+              <a:defRPr sz="861"/>
             </a:lvl5pPr>
-            <a:lvl6pPr marL="1200150" indent="0">
-              <a:buNone/>
-              <a:defRPr sz="1050"/>
+            <a:lvl6pPr marL="984352" indent="0">
+              <a:buNone/>
+              <a:defRPr sz="861"/>
             </a:lvl6pPr>
-            <a:lvl7pPr marL="1440180" indent="0">
-              <a:buNone/>
-              <a:defRPr sz="1050"/>
+            <a:lvl7pPr marL="1181222" indent="0">
+              <a:buNone/>
+              <a:defRPr sz="861"/>
             </a:lvl7pPr>
-            <a:lvl8pPr marL="1680210" indent="0">
-              <a:buNone/>
-              <a:defRPr sz="1050"/>
+            <a:lvl8pPr marL="1378092" indent="0">
+              <a:buNone/>
+              <a:defRPr sz="861"/>
             </a:lvl8pPr>
-            <a:lvl9pPr marL="1920240" indent="0">
-              <a:buNone/>
-              <a:defRPr sz="1050"/>
+            <a:lvl9pPr marL="1574963" indent="0">
+              <a:buNone/>
+              <a:defRPr sz="861"/>
             </a:lvl9pPr>
           </a:lstStyle>
           <a:p>
@@ -2541,8 +2541,8 @@
         </p:nvSpPr>
         <p:spPr>
           <a:xfrm>
-            <a:off x="839789" y="1080135"/>
-            <a:ext cx="3932237" cy="2001084"/>
+            <a:off x="620000" y="885825"/>
+            <a:ext cx="2903097" cy="1641100"/>
           </a:xfrm>
         </p:spPr>
         <p:txBody>
@@ -2550,39 +2550,39 @@
           <a:lstStyle>
             <a:lvl1pPr marL="0" indent="0">
               <a:buNone/>
-              <a:defRPr sz="840"/>
+              <a:defRPr sz="689"/>
             </a:lvl1pPr>
-            <a:lvl2pPr marL="240030" indent="0">
-              <a:buNone/>
-              <a:defRPr sz="735"/>
+            <a:lvl2pPr marL="196870" indent="0">
+              <a:buNone/>
+              <a:defRPr sz="603"/>
             </a:lvl2pPr>
-            <a:lvl3pPr marL="480060" indent="0">
-              <a:buNone/>
-              <a:defRPr sz="630"/>
+            <a:lvl3pPr marL="393741" indent="0">
+              <a:buNone/>
+              <a:defRPr sz="517"/>
             </a:lvl3pPr>
-            <a:lvl4pPr marL="720090" indent="0">
-              <a:buNone/>
-              <a:defRPr sz="525"/>
+            <a:lvl4pPr marL="590611" indent="0">
+              <a:buNone/>
+              <a:defRPr sz="431"/>
             </a:lvl4pPr>
-            <a:lvl5pPr marL="960120" indent="0">
-              <a:buNone/>
-              <a:defRPr sz="525"/>
+            <a:lvl5pPr marL="787481" indent="0">
+              <a:buNone/>
+              <a:defRPr sz="431"/>
             </a:lvl5pPr>
-            <a:lvl6pPr marL="1200150" indent="0">
-              <a:buNone/>
-              <a:defRPr sz="525"/>
+            <a:lvl6pPr marL="984352" indent="0">
+              <a:buNone/>
+              <a:defRPr sz="431"/>
             </a:lvl6pPr>
-            <a:lvl7pPr marL="1440180" indent="0">
-              <a:buNone/>
-              <a:defRPr sz="525"/>
+            <a:lvl7pPr marL="1181222" indent="0">
+              <a:buNone/>
+              <a:defRPr sz="431"/>
             </a:lvl7pPr>
-            <a:lvl8pPr marL="1680210" indent="0">
-              <a:buNone/>
-              <a:defRPr sz="525"/>
+            <a:lvl8pPr marL="1378092" indent="0">
+              <a:buNone/>
+              <a:defRPr sz="431"/>
             </a:lvl8pPr>
-            <a:lvl9pPr marL="1920240" indent="0">
-              <a:buNone/>
-              <a:defRPr sz="525"/>
+            <a:lvl9pPr marL="1574963" indent="0">
+              <a:buNone/>
+              <a:defRPr sz="431"/>
             </a:lvl9pPr>
           </a:lstStyle>
           <a:p>
@@ -2611,7 +2611,7 @@
           <a:p>
             <a:fld id="{FF3AB9CA-F5EA-4632-87C9-F1CAA4E509FD}" type="datetimeFigureOut">
               <a:rPr kumimoji="1" lang="ja-JP" altLang="en-US" smtClean="0"/>
-              <a:t>2022/1/4</a:t>
+              <a:t>2022/1/6</a:t>
             </a:fld>
             <a:endParaRPr kumimoji="1" lang="ja-JP" altLang="en-US"/>
           </a:p>
@@ -2662,7 +2662,7 @@
     </p:spTree>
     <p:extLst>
       <p:ext uri="{BB962C8B-B14F-4D97-AF65-F5344CB8AC3E}">
-        <p14:creationId xmlns:p14="http://schemas.microsoft.com/office/powerpoint/2010/main" val="3878716705"/>
+        <p14:creationId xmlns:p14="http://schemas.microsoft.com/office/powerpoint/2010/main" val="1372915334"/>
       </p:ext>
     </p:extLst>
   </p:cSld>
@@ -2706,8 +2706,8 @@
         </p:nvSpPr>
         <p:spPr>
           <a:xfrm>
-            <a:off x="838200" y="191691"/>
-            <a:ext cx="10515600" cy="695921"/>
+            <a:off x="618828" y="157207"/>
+            <a:ext cx="7763470" cy="570729"/>
           </a:xfrm>
           <a:prstGeom prst="rect">
             <a:avLst/>
@@ -2739,8 +2739,8 @@
         </p:nvSpPr>
         <p:spPr>
           <a:xfrm>
-            <a:off x="838200" y="958453"/>
-            <a:ext cx="10515600" cy="2284452"/>
+            <a:off x="618828" y="786033"/>
+            <a:ext cx="7763470" cy="1873493"/>
           </a:xfrm>
           <a:prstGeom prst="rect">
             <a:avLst/>
@@ -2833,8 +2833,8 @@
         </p:nvSpPr>
         <p:spPr>
           <a:xfrm>
-            <a:off x="838200" y="3337084"/>
-            <a:ext cx="2743200" cy="191691"/>
+            <a:off x="618827" y="2736762"/>
+            <a:ext cx="2025253" cy="157207"/>
           </a:xfrm>
           <a:prstGeom prst="rect">
             <a:avLst/>
@@ -2844,7 +2844,7 @@
           <a:bodyPr vert="horz" lIns="91440" tIns="45720" rIns="91440" bIns="45720" rtlCol="0" anchor="ctr"/>
           <a:lstStyle>
             <a:lvl1pPr algn="l">
-              <a:defRPr sz="630">
+              <a:defRPr sz="517">
                 <a:solidFill>
                   <a:schemeClr val="tx1">
                     <a:tint val="75000"/>
@@ -2856,7 +2856,7 @@
           <a:p>
             <a:fld id="{FF3AB9CA-F5EA-4632-87C9-F1CAA4E509FD}" type="datetimeFigureOut">
               <a:rPr kumimoji="1" lang="ja-JP" altLang="en-US" smtClean="0"/>
-              <a:t>2022/1/4</a:t>
+              <a:t>2022/1/6</a:t>
             </a:fld>
             <a:endParaRPr kumimoji="1" lang="ja-JP" altLang="en-US"/>
           </a:p>
@@ -2874,8 +2874,8 @@
         </p:nvSpPr>
         <p:spPr>
           <a:xfrm>
-            <a:off x="4038600" y="3337084"/>
-            <a:ext cx="4114800" cy="191691"/>
+            <a:off x="2981623" y="2736762"/>
+            <a:ext cx="3037880" cy="157207"/>
           </a:xfrm>
           <a:prstGeom prst="rect">
             <a:avLst/>
@@ -2885,7 +2885,7 @@
           <a:bodyPr vert="horz" lIns="91440" tIns="45720" rIns="91440" bIns="45720" rtlCol="0" anchor="ctr"/>
           <a:lstStyle>
             <a:lvl1pPr algn="ctr">
-              <a:defRPr sz="630">
+              <a:defRPr sz="517">
                 <a:solidFill>
                   <a:schemeClr val="tx1">
                     <a:tint val="75000"/>
@@ -2911,8 +2911,8 @@
         </p:nvSpPr>
         <p:spPr>
           <a:xfrm>
-            <a:off x="8610600" y="3337084"/>
-            <a:ext cx="2743200" cy="191691"/>
+            <a:off x="6357045" y="2736762"/>
+            <a:ext cx="2025253" cy="157207"/>
           </a:xfrm>
           <a:prstGeom prst="rect">
             <a:avLst/>
@@ -2922,7 +2922,7 @@
           <a:bodyPr vert="horz" lIns="91440" tIns="45720" rIns="91440" bIns="45720" rtlCol="0" anchor="ctr"/>
           <a:lstStyle>
             <a:lvl1pPr algn="r">
-              <a:defRPr sz="630">
+              <a:defRPr sz="517">
                 <a:solidFill>
                   <a:schemeClr val="tx1">
                     <a:tint val="75000"/>
@@ -2943,27 +2943,27 @@
     </p:spTree>
     <p:extLst>
       <p:ext uri="{BB962C8B-B14F-4D97-AF65-F5344CB8AC3E}">
-        <p14:creationId xmlns:p14="http://schemas.microsoft.com/office/powerpoint/2010/main" val="705245013"/>
+        <p14:creationId xmlns:p14="http://schemas.microsoft.com/office/powerpoint/2010/main" val="3466151078"/>
       </p:ext>
     </p:extLst>
   </p:cSld>
   <p:clrMap bg1="lt1" tx1="dk1" bg2="lt2" tx2="dk2" accent1="accent1" accent2="accent2" accent3="accent3" accent4="accent4" accent5="accent5" accent6="accent6" hlink="hlink" folHlink="folHlink"/>
   <p:sldLayoutIdLst>
-    <p:sldLayoutId id="2147483709" r:id="rId1"/>
-    <p:sldLayoutId id="2147483710" r:id="rId2"/>
-    <p:sldLayoutId id="2147483711" r:id="rId3"/>
-    <p:sldLayoutId id="2147483712" r:id="rId4"/>
-    <p:sldLayoutId id="2147483713" r:id="rId5"/>
-    <p:sldLayoutId id="2147483714" r:id="rId6"/>
-    <p:sldLayoutId id="2147483715" r:id="rId7"/>
-    <p:sldLayoutId id="2147483716" r:id="rId8"/>
-    <p:sldLayoutId id="2147483717" r:id="rId9"/>
-    <p:sldLayoutId id="2147483718" r:id="rId10"/>
-    <p:sldLayoutId id="2147483719" r:id="rId11"/>
+    <p:sldLayoutId id="2147483805" r:id="rId1"/>
+    <p:sldLayoutId id="2147483806" r:id="rId2"/>
+    <p:sldLayoutId id="2147483807" r:id="rId3"/>
+    <p:sldLayoutId id="2147483808" r:id="rId4"/>
+    <p:sldLayoutId id="2147483809" r:id="rId5"/>
+    <p:sldLayoutId id="2147483810" r:id="rId6"/>
+    <p:sldLayoutId id="2147483811" r:id="rId7"/>
+    <p:sldLayoutId id="2147483812" r:id="rId8"/>
+    <p:sldLayoutId id="2147483813" r:id="rId9"/>
+    <p:sldLayoutId id="2147483814" r:id="rId10"/>
+    <p:sldLayoutId id="2147483815" r:id="rId11"/>
   </p:sldLayoutIdLst>
   <p:txStyles>
     <p:titleStyle>
-      <a:lvl1pPr algn="l" defTabSz="480060" rtl="0" eaLnBrk="1" latinLnBrk="0" hangingPunct="1">
+      <a:lvl1pPr algn="l" defTabSz="393741" rtl="0" eaLnBrk="1" latinLnBrk="0" hangingPunct="1">
         <a:lnSpc>
           <a:spcPct val="90000"/>
         </a:lnSpc>
@@ -2971,7 +2971,7 @@
           <a:spcPct val="0"/>
         </a:spcBef>
         <a:buNone/>
-        <a:defRPr kumimoji="1" sz="2310" kern="1200">
+        <a:defRPr kumimoji="1" sz="1895" kern="1200">
           <a:solidFill>
             <a:schemeClr val="tx1"/>
           </a:solidFill>
@@ -2982,16 +2982,16 @@
       </a:lvl1pPr>
     </p:titleStyle>
     <p:bodyStyle>
-      <a:lvl1pPr marL="120015" indent="-120015" algn="l" defTabSz="480060" rtl="0" eaLnBrk="1" latinLnBrk="0" hangingPunct="1">
+      <a:lvl1pPr marL="98435" indent="-98435" algn="l" defTabSz="393741" rtl="0" eaLnBrk="1" latinLnBrk="0" hangingPunct="1">
         <a:lnSpc>
           <a:spcPct val="90000"/>
         </a:lnSpc>
         <a:spcBef>
-          <a:spcPts val="525"/>
+          <a:spcPts val="431"/>
         </a:spcBef>
         <a:buFont typeface="Arial" panose="020B0604020202020204" pitchFamily="34" charset="0"/>
         <a:buChar char="•"/>
-        <a:defRPr kumimoji="1" sz="1470" kern="1200">
+        <a:defRPr kumimoji="1" sz="1206" kern="1200">
           <a:solidFill>
             <a:schemeClr val="tx1"/>
           </a:solidFill>
@@ -3000,16 +3000,16 @@
           <a:cs typeface="+mn-cs"/>
         </a:defRPr>
       </a:lvl1pPr>
-      <a:lvl2pPr marL="360045" indent="-120015" algn="l" defTabSz="480060" rtl="0" eaLnBrk="1" latinLnBrk="0" hangingPunct="1">
+      <a:lvl2pPr marL="295305" indent="-98435" algn="l" defTabSz="393741" rtl="0" eaLnBrk="1" latinLnBrk="0" hangingPunct="1">
         <a:lnSpc>
           <a:spcPct val="90000"/>
         </a:lnSpc>
         <a:spcBef>
-          <a:spcPts val="263"/>
+          <a:spcPts val="215"/>
         </a:spcBef>
         <a:buFont typeface="Arial" panose="020B0604020202020204" pitchFamily="34" charset="0"/>
         <a:buChar char="•"/>
-        <a:defRPr kumimoji="1" sz="1260" kern="1200">
+        <a:defRPr kumimoji="1" sz="1033" kern="1200">
           <a:solidFill>
             <a:schemeClr val="tx1"/>
           </a:solidFill>
@@ -3018,16 +3018,16 @@
           <a:cs typeface="+mn-cs"/>
         </a:defRPr>
       </a:lvl2pPr>
-      <a:lvl3pPr marL="600075" indent="-120015" algn="l" defTabSz="480060" rtl="0" eaLnBrk="1" latinLnBrk="0" hangingPunct="1">
+      <a:lvl3pPr marL="492176" indent="-98435" algn="l" defTabSz="393741" rtl="0" eaLnBrk="1" latinLnBrk="0" hangingPunct="1">
         <a:lnSpc>
           <a:spcPct val="90000"/>
         </a:lnSpc>
         <a:spcBef>
-          <a:spcPts val="263"/>
+          <a:spcPts val="215"/>
         </a:spcBef>
         <a:buFont typeface="Arial" panose="020B0604020202020204" pitchFamily="34" charset="0"/>
         <a:buChar char="•"/>
-        <a:defRPr kumimoji="1" sz="1050" kern="1200">
+        <a:defRPr kumimoji="1" sz="861" kern="1200">
           <a:solidFill>
             <a:schemeClr val="tx1"/>
           </a:solidFill>
@@ -3036,16 +3036,16 @@
           <a:cs typeface="+mn-cs"/>
         </a:defRPr>
       </a:lvl3pPr>
-      <a:lvl4pPr marL="840105" indent="-120015" algn="l" defTabSz="480060" rtl="0" eaLnBrk="1" latinLnBrk="0" hangingPunct="1">
+      <a:lvl4pPr marL="689046" indent="-98435" algn="l" defTabSz="393741" rtl="0" eaLnBrk="1" latinLnBrk="0" hangingPunct="1">
         <a:lnSpc>
           <a:spcPct val="90000"/>
         </a:lnSpc>
         <a:spcBef>
-          <a:spcPts val="263"/>
+          <a:spcPts val="215"/>
         </a:spcBef>
         <a:buFont typeface="Arial" panose="020B0604020202020204" pitchFamily="34" charset="0"/>
         <a:buChar char="•"/>
-        <a:defRPr kumimoji="1" sz="945" kern="1200">
+        <a:defRPr kumimoji="1" sz="775" kern="1200">
           <a:solidFill>
             <a:schemeClr val="tx1"/>
           </a:solidFill>
@@ -3054,16 +3054,16 @@
           <a:cs typeface="+mn-cs"/>
         </a:defRPr>
       </a:lvl4pPr>
-      <a:lvl5pPr marL="1080135" indent="-120015" algn="l" defTabSz="480060" rtl="0" eaLnBrk="1" latinLnBrk="0" hangingPunct="1">
+      <a:lvl5pPr marL="885916" indent="-98435" algn="l" defTabSz="393741" rtl="0" eaLnBrk="1" latinLnBrk="0" hangingPunct="1">
         <a:lnSpc>
           <a:spcPct val="90000"/>
         </a:lnSpc>
         <a:spcBef>
-          <a:spcPts val="263"/>
+          <a:spcPts val="215"/>
         </a:spcBef>
         <a:buFont typeface="Arial" panose="020B0604020202020204" pitchFamily="34" charset="0"/>
         <a:buChar char="•"/>
-        <a:defRPr kumimoji="1" sz="945" kern="1200">
+        <a:defRPr kumimoji="1" sz="775" kern="1200">
           <a:solidFill>
             <a:schemeClr val="tx1"/>
           </a:solidFill>
@@ -3072,16 +3072,16 @@
           <a:cs typeface="+mn-cs"/>
         </a:defRPr>
       </a:lvl5pPr>
-      <a:lvl6pPr marL="1320165" indent="-120015" algn="l" defTabSz="480060" rtl="0" eaLnBrk="1" latinLnBrk="0" hangingPunct="1">
+      <a:lvl6pPr marL="1082787" indent="-98435" algn="l" defTabSz="393741" rtl="0" eaLnBrk="1" latinLnBrk="0" hangingPunct="1">
         <a:lnSpc>
           <a:spcPct val="90000"/>
         </a:lnSpc>
         <a:spcBef>
-          <a:spcPts val="263"/>
+          <a:spcPts val="215"/>
         </a:spcBef>
         <a:buFont typeface="Arial" panose="020B0604020202020204" pitchFamily="34" charset="0"/>
         <a:buChar char="•"/>
-        <a:defRPr kumimoji="1" sz="945" kern="1200">
+        <a:defRPr kumimoji="1" sz="775" kern="1200">
           <a:solidFill>
             <a:schemeClr val="tx1"/>
           </a:solidFill>
@@ -3090,16 +3090,16 @@
           <a:cs typeface="+mn-cs"/>
         </a:defRPr>
       </a:lvl6pPr>
-      <a:lvl7pPr marL="1560195" indent="-120015" algn="l" defTabSz="480060" rtl="0" eaLnBrk="1" latinLnBrk="0" hangingPunct="1">
+      <a:lvl7pPr marL="1279657" indent="-98435" algn="l" defTabSz="393741" rtl="0" eaLnBrk="1" latinLnBrk="0" hangingPunct="1">
         <a:lnSpc>
           <a:spcPct val="90000"/>
         </a:lnSpc>
         <a:spcBef>
-          <a:spcPts val="263"/>
+          <a:spcPts val="215"/>
         </a:spcBef>
         <a:buFont typeface="Arial" panose="020B0604020202020204" pitchFamily="34" charset="0"/>
         <a:buChar char="•"/>
-        <a:defRPr kumimoji="1" sz="945" kern="1200">
+        <a:defRPr kumimoji="1" sz="775" kern="1200">
           <a:solidFill>
             <a:schemeClr val="tx1"/>
           </a:solidFill>
@@ -3108,16 +3108,16 @@
           <a:cs typeface="+mn-cs"/>
         </a:defRPr>
       </a:lvl7pPr>
-      <a:lvl8pPr marL="1800225" indent="-120015" algn="l" defTabSz="480060" rtl="0" eaLnBrk="1" latinLnBrk="0" hangingPunct="1">
+      <a:lvl8pPr marL="1476527" indent="-98435" algn="l" defTabSz="393741" rtl="0" eaLnBrk="1" latinLnBrk="0" hangingPunct="1">
         <a:lnSpc>
           <a:spcPct val="90000"/>
         </a:lnSpc>
         <a:spcBef>
-          <a:spcPts val="263"/>
+          <a:spcPts val="215"/>
         </a:spcBef>
         <a:buFont typeface="Arial" panose="020B0604020202020204" pitchFamily="34" charset="0"/>
         <a:buChar char="•"/>
-        <a:defRPr kumimoji="1" sz="945" kern="1200">
+        <a:defRPr kumimoji="1" sz="775" kern="1200">
           <a:solidFill>
             <a:schemeClr val="tx1"/>
           </a:solidFill>
@@ -3126,16 +3126,16 @@
           <a:cs typeface="+mn-cs"/>
         </a:defRPr>
       </a:lvl8pPr>
-      <a:lvl9pPr marL="2040255" indent="-120015" algn="l" defTabSz="480060" rtl="0" eaLnBrk="1" latinLnBrk="0" hangingPunct="1">
+      <a:lvl9pPr marL="1673398" indent="-98435" algn="l" defTabSz="393741" rtl="0" eaLnBrk="1" latinLnBrk="0" hangingPunct="1">
         <a:lnSpc>
           <a:spcPct val="90000"/>
         </a:lnSpc>
         <a:spcBef>
-          <a:spcPts val="263"/>
+          <a:spcPts val="215"/>
         </a:spcBef>
         <a:buFont typeface="Arial" panose="020B0604020202020204" pitchFamily="34" charset="0"/>
         <a:buChar char="•"/>
-        <a:defRPr kumimoji="1" sz="945" kern="1200">
+        <a:defRPr kumimoji="1" sz="775" kern="1200">
           <a:solidFill>
             <a:schemeClr val="tx1"/>
           </a:solidFill>
@@ -3149,8 +3149,8 @@
       <a:defPPr>
         <a:defRPr lang="en-US"/>
       </a:defPPr>
-      <a:lvl1pPr marL="0" algn="l" defTabSz="480060" rtl="0" eaLnBrk="1" latinLnBrk="0" hangingPunct="1">
-        <a:defRPr kumimoji="1" sz="945" kern="1200">
+      <a:lvl1pPr marL="0" algn="l" defTabSz="393741" rtl="0" eaLnBrk="1" latinLnBrk="0" hangingPunct="1">
+        <a:defRPr kumimoji="1" sz="775" kern="1200">
           <a:solidFill>
             <a:schemeClr val="tx1"/>
           </a:solidFill>
@@ -3159,8 +3159,8 @@
           <a:cs typeface="+mn-cs"/>
         </a:defRPr>
       </a:lvl1pPr>
-      <a:lvl2pPr marL="240030" algn="l" defTabSz="480060" rtl="0" eaLnBrk="1" latinLnBrk="0" hangingPunct="1">
-        <a:defRPr kumimoji="1" sz="945" kern="1200">
+      <a:lvl2pPr marL="196870" algn="l" defTabSz="393741" rtl="0" eaLnBrk="1" latinLnBrk="0" hangingPunct="1">
+        <a:defRPr kumimoji="1" sz="775" kern="1200">
           <a:solidFill>
             <a:schemeClr val="tx1"/>
           </a:solidFill>
@@ -3169,8 +3169,8 @@
           <a:cs typeface="+mn-cs"/>
         </a:defRPr>
       </a:lvl2pPr>
-      <a:lvl3pPr marL="480060" algn="l" defTabSz="480060" rtl="0" eaLnBrk="1" latinLnBrk="0" hangingPunct="1">
-        <a:defRPr kumimoji="1" sz="945" kern="1200">
+      <a:lvl3pPr marL="393741" algn="l" defTabSz="393741" rtl="0" eaLnBrk="1" latinLnBrk="0" hangingPunct="1">
+        <a:defRPr kumimoji="1" sz="775" kern="1200">
           <a:solidFill>
             <a:schemeClr val="tx1"/>
           </a:solidFill>
@@ -3179,8 +3179,8 @@
           <a:cs typeface="+mn-cs"/>
         </a:defRPr>
       </a:lvl3pPr>
-      <a:lvl4pPr marL="720090" algn="l" defTabSz="480060" rtl="0" eaLnBrk="1" latinLnBrk="0" hangingPunct="1">
-        <a:defRPr kumimoji="1" sz="945" kern="1200">
+      <a:lvl4pPr marL="590611" algn="l" defTabSz="393741" rtl="0" eaLnBrk="1" latinLnBrk="0" hangingPunct="1">
+        <a:defRPr kumimoji="1" sz="775" kern="1200">
           <a:solidFill>
             <a:schemeClr val="tx1"/>
           </a:solidFill>
@@ -3189,8 +3189,8 @@
           <a:cs typeface="+mn-cs"/>
         </a:defRPr>
       </a:lvl4pPr>
-      <a:lvl5pPr marL="960120" algn="l" defTabSz="480060" rtl="0" eaLnBrk="1" latinLnBrk="0" hangingPunct="1">
-        <a:defRPr kumimoji="1" sz="945" kern="1200">
+      <a:lvl5pPr marL="787481" algn="l" defTabSz="393741" rtl="0" eaLnBrk="1" latinLnBrk="0" hangingPunct="1">
+        <a:defRPr kumimoji="1" sz="775" kern="1200">
           <a:solidFill>
             <a:schemeClr val="tx1"/>
           </a:solidFill>
@@ -3199,8 +3199,8 @@
           <a:cs typeface="+mn-cs"/>
         </a:defRPr>
       </a:lvl5pPr>
-      <a:lvl6pPr marL="1200150" algn="l" defTabSz="480060" rtl="0" eaLnBrk="1" latinLnBrk="0" hangingPunct="1">
-        <a:defRPr kumimoji="1" sz="945" kern="1200">
+      <a:lvl6pPr marL="984352" algn="l" defTabSz="393741" rtl="0" eaLnBrk="1" latinLnBrk="0" hangingPunct="1">
+        <a:defRPr kumimoji="1" sz="775" kern="1200">
           <a:solidFill>
             <a:schemeClr val="tx1"/>
           </a:solidFill>
@@ -3209,8 +3209,8 @@
           <a:cs typeface="+mn-cs"/>
         </a:defRPr>
       </a:lvl6pPr>
-      <a:lvl7pPr marL="1440180" algn="l" defTabSz="480060" rtl="0" eaLnBrk="1" latinLnBrk="0" hangingPunct="1">
-        <a:defRPr kumimoji="1" sz="945" kern="1200">
+      <a:lvl7pPr marL="1181222" algn="l" defTabSz="393741" rtl="0" eaLnBrk="1" latinLnBrk="0" hangingPunct="1">
+        <a:defRPr kumimoji="1" sz="775" kern="1200">
           <a:solidFill>
             <a:schemeClr val="tx1"/>
           </a:solidFill>
@@ -3219,8 +3219,8 @@
           <a:cs typeface="+mn-cs"/>
         </a:defRPr>
       </a:lvl7pPr>
-      <a:lvl8pPr marL="1680210" algn="l" defTabSz="480060" rtl="0" eaLnBrk="1" latinLnBrk="0" hangingPunct="1">
-        <a:defRPr kumimoji="1" sz="945" kern="1200">
+      <a:lvl8pPr marL="1378092" algn="l" defTabSz="393741" rtl="0" eaLnBrk="1" latinLnBrk="0" hangingPunct="1">
+        <a:defRPr kumimoji="1" sz="775" kern="1200">
           <a:solidFill>
             <a:schemeClr val="tx1"/>
           </a:solidFill>
@@ -3229,8 +3229,8 @@
           <a:cs typeface="+mn-cs"/>
         </a:defRPr>
       </a:lvl8pPr>
-      <a:lvl9pPr marL="1920240" algn="l" defTabSz="480060" rtl="0" eaLnBrk="1" latinLnBrk="0" hangingPunct="1">
-        <a:defRPr kumimoji="1" sz="945" kern="1200">
+      <a:lvl9pPr marL="1574963" algn="l" defTabSz="393741" rtl="0" eaLnBrk="1" latinLnBrk="0" hangingPunct="1">
+        <a:defRPr kumimoji="1" sz="775" kern="1200">
           <a:solidFill>
             <a:schemeClr val="tx1"/>
           </a:solidFill>
@@ -3275,8 +3275,8 @@
         </p:nvSpPr>
         <p:spPr>
           <a:xfrm>
-            <a:off x="4190275" y="1885947"/>
-            <a:ext cx="3803380" cy="532650"/>
+            <a:off x="2594837" y="1624617"/>
+            <a:ext cx="3803380" cy="360000"/>
           </a:xfrm>
           <a:prstGeom prst="rect">
             <a:avLst/>
@@ -3337,8 +3337,8 @@
         </p:nvSpPr>
         <p:spPr>
           <a:xfrm>
-            <a:off x="377481" y="1885947"/>
-            <a:ext cx="3812791" cy="532650"/>
+            <a:off x="340526" y="1624617"/>
+            <a:ext cx="2254317" cy="360000"/>
           </a:xfrm>
           <a:prstGeom prst="rect">
             <a:avLst/>
@@ -3401,12 +3401,264 @@
           </a:p>
         </p:txBody>
       </p:sp>
+      <p:sp>
+        <p:nvSpPr>
+          <p:cNvPr id="7" name="テキスト ボックス 6">
+            <a:extLst>
+              <a:ext uri="{FF2B5EF4-FFF2-40B4-BE49-F238E27FC236}">
+                <a16:creationId xmlns:a16="http://schemas.microsoft.com/office/drawing/2014/main" id="{ED0EE0EA-C2B0-470A-AF50-E34F63600C6A}"/>
+              </a:ext>
+            </a:extLst>
+          </p:cNvPr>
+          <p:cNvSpPr txBox="1"/>
+          <p:nvPr/>
+        </p:nvSpPr>
+        <p:spPr>
+          <a:xfrm>
+            <a:off x="2101993" y="1079930"/>
+            <a:ext cx="1470128" cy="523218"/>
+          </a:xfrm>
+          <a:prstGeom prst="rect">
+            <a:avLst/>
+          </a:prstGeom>
+          <a:noFill/>
+        </p:spPr>
+        <p:txBody>
+          <a:bodyPr wrap="square" rtlCol="0">
+            <a:spAutoFit/>
+          </a:bodyPr>
+          <a:lstStyle/>
+          <a:p>
+            <a:r>
+              <a:rPr lang="en-US" altLang="ja-JP" sz="1400" dirty="0">
+                <a:solidFill>
+                  <a:schemeClr val="bg2">
+                    <a:lumMod val="50000"/>
+                  </a:schemeClr>
+                </a:solidFill>
+                <a:latin typeface="Times New Roman" panose="02020603050405020304" pitchFamily="18" charset="0"/>
+                <a:cs typeface="Times New Roman" panose="02020603050405020304" pitchFamily="18" charset="0"/>
+              </a:rPr>
+              <a:t>2018/04/01</a:t>
+            </a:r>
+            <a:endParaRPr lang="ja-JP" altLang="en-US" sz="1400" dirty="0">
+              <a:solidFill>
+                <a:schemeClr val="bg2">
+                  <a:lumMod val="50000"/>
+                </a:schemeClr>
+              </a:solidFill>
+              <a:latin typeface="Times New Roman" panose="02020603050405020304" pitchFamily="18" charset="0"/>
+              <a:cs typeface="Times New Roman" panose="02020603050405020304" pitchFamily="18" charset="0"/>
+            </a:endParaRPr>
+          </a:p>
+          <a:p>
+            <a:endParaRPr lang="ja-JP" altLang="en-US" sz="1400" dirty="0">
+              <a:solidFill>
+                <a:schemeClr val="bg2">
+                  <a:lumMod val="50000"/>
+                </a:schemeClr>
+              </a:solidFill>
+              <a:latin typeface="Times New Roman" panose="02020603050405020304" pitchFamily="18" charset="0"/>
+              <a:cs typeface="Times New Roman" panose="02020603050405020304" pitchFamily="18" charset="0"/>
+            </a:endParaRPr>
+          </a:p>
+        </p:txBody>
+      </p:sp>
+      <p:sp>
+        <p:nvSpPr>
+          <p:cNvPr id="8" name="テキスト ボックス 7">
+            <a:extLst>
+              <a:ext uri="{FF2B5EF4-FFF2-40B4-BE49-F238E27FC236}">
+                <a16:creationId xmlns:a16="http://schemas.microsoft.com/office/drawing/2014/main" id="{7289AA34-BB96-47A8-A821-087AA4F05A1D}"/>
+              </a:ext>
+            </a:extLst>
+          </p:cNvPr>
+          <p:cNvSpPr txBox="1"/>
+          <p:nvPr/>
+        </p:nvSpPr>
+        <p:spPr>
+          <a:xfrm>
+            <a:off x="5864879" y="1077977"/>
+            <a:ext cx="1470128" cy="523218"/>
+          </a:xfrm>
+          <a:prstGeom prst="rect">
+            <a:avLst/>
+          </a:prstGeom>
+          <a:noFill/>
+        </p:spPr>
+        <p:txBody>
+          <a:bodyPr wrap="square" rtlCol="0">
+            <a:spAutoFit/>
+          </a:bodyPr>
+          <a:lstStyle/>
+          <a:p>
+            <a:r>
+              <a:rPr lang="en-US" altLang="ja-JP" sz="1400" dirty="0">
+                <a:solidFill>
+                  <a:schemeClr val="bg2">
+                    <a:lumMod val="50000"/>
+                  </a:schemeClr>
+                </a:solidFill>
+                <a:latin typeface="Times New Roman" panose="02020603050405020304" pitchFamily="18" charset="0"/>
+                <a:cs typeface="Times New Roman" panose="02020603050405020304" pitchFamily="18" charset="0"/>
+              </a:rPr>
+              <a:t>2018/06/31</a:t>
+            </a:r>
+            <a:endParaRPr lang="ja-JP" altLang="en-US" sz="1400" dirty="0">
+              <a:solidFill>
+                <a:schemeClr val="bg2">
+                  <a:lumMod val="50000"/>
+                </a:schemeClr>
+              </a:solidFill>
+              <a:latin typeface="Times New Roman" panose="02020603050405020304" pitchFamily="18" charset="0"/>
+              <a:cs typeface="Times New Roman" panose="02020603050405020304" pitchFamily="18" charset="0"/>
+            </a:endParaRPr>
+          </a:p>
+          <a:p>
+            <a:endParaRPr lang="ja-JP" altLang="en-US" sz="1400" dirty="0">
+              <a:solidFill>
+                <a:schemeClr val="bg2">
+                  <a:lumMod val="50000"/>
+                </a:schemeClr>
+              </a:solidFill>
+              <a:latin typeface="Times New Roman" panose="02020603050405020304" pitchFamily="18" charset="0"/>
+              <a:cs typeface="Times New Roman" panose="02020603050405020304" pitchFamily="18" charset="0"/>
+            </a:endParaRPr>
+          </a:p>
+        </p:txBody>
+      </p:sp>
+      <p:sp>
+        <p:nvSpPr>
+          <p:cNvPr id="11" name="テキスト ボックス 10">
+            <a:extLst>
+              <a:ext uri="{FF2B5EF4-FFF2-40B4-BE49-F238E27FC236}">
+                <a16:creationId xmlns:a16="http://schemas.microsoft.com/office/drawing/2014/main" id="{4319649E-9732-4E75-9A7E-FE66B5CCAD62}"/>
+              </a:ext>
+            </a:extLst>
+          </p:cNvPr>
+          <p:cNvSpPr txBox="1"/>
+          <p:nvPr/>
+        </p:nvSpPr>
+        <p:spPr>
+          <a:xfrm>
+            <a:off x="5010242" y="1070790"/>
+            <a:ext cx="702884" cy="523218"/>
+          </a:xfrm>
+          <a:prstGeom prst="rect">
+            <a:avLst/>
+          </a:prstGeom>
+          <a:noFill/>
+        </p:spPr>
+        <p:txBody>
+          <a:bodyPr wrap="square" rtlCol="0">
+            <a:spAutoFit/>
+          </a:bodyPr>
+          <a:lstStyle/>
+          <a:p>
+            <a:r>
+              <a:rPr lang="en-US" altLang="ja-JP" sz="1400" dirty="0">
+                <a:solidFill>
+                  <a:schemeClr val="bg2">
+                    <a:lumMod val="50000"/>
+                  </a:schemeClr>
+                </a:solidFill>
+                <a:latin typeface="Times New Roman" panose="02020603050405020304" pitchFamily="18" charset="0"/>
+                <a:cs typeface="Times New Roman" panose="02020603050405020304" pitchFamily="18" charset="0"/>
+              </a:rPr>
+              <a:t>06/20</a:t>
+            </a:r>
+            <a:endParaRPr lang="ja-JP" altLang="en-US" sz="1400" dirty="0">
+              <a:solidFill>
+                <a:schemeClr val="bg2">
+                  <a:lumMod val="50000"/>
+                </a:schemeClr>
+              </a:solidFill>
+              <a:latin typeface="Times New Roman" panose="02020603050405020304" pitchFamily="18" charset="0"/>
+              <a:cs typeface="Times New Roman" panose="02020603050405020304" pitchFamily="18" charset="0"/>
+            </a:endParaRPr>
+          </a:p>
+          <a:p>
+            <a:endParaRPr lang="ja-JP" altLang="en-US" sz="1400" dirty="0">
+              <a:solidFill>
+                <a:schemeClr val="bg2">
+                  <a:lumMod val="50000"/>
+                </a:schemeClr>
+              </a:solidFill>
+              <a:latin typeface="Times New Roman" panose="02020603050405020304" pitchFamily="18" charset="0"/>
+              <a:cs typeface="Times New Roman" panose="02020603050405020304" pitchFamily="18" charset="0"/>
+            </a:endParaRPr>
+          </a:p>
+        </p:txBody>
+      </p:sp>
+      <p:sp>
+        <p:nvSpPr>
+          <p:cNvPr id="17" name="テキスト ボックス 16">
+            <a:extLst>
+              <a:ext uri="{FF2B5EF4-FFF2-40B4-BE49-F238E27FC236}">
+                <a16:creationId xmlns:a16="http://schemas.microsoft.com/office/drawing/2014/main" id="{0DCCF278-4557-4DB2-875A-DCB9873419A6}"/>
+              </a:ext>
+            </a:extLst>
+          </p:cNvPr>
+          <p:cNvSpPr txBox="1"/>
+          <p:nvPr/>
+        </p:nvSpPr>
+        <p:spPr>
+          <a:xfrm>
+            <a:off x="4036694" y="1064170"/>
+            <a:ext cx="702884" cy="523218"/>
+          </a:xfrm>
+          <a:prstGeom prst="rect">
+            <a:avLst/>
+          </a:prstGeom>
+          <a:noFill/>
+        </p:spPr>
+        <p:txBody>
+          <a:bodyPr wrap="square" rtlCol="0">
+            <a:spAutoFit/>
+          </a:bodyPr>
+          <a:lstStyle/>
+          <a:p>
+            <a:r>
+              <a:rPr lang="en-US" altLang="ja-JP" sz="1400" dirty="0">
+                <a:solidFill>
+                  <a:schemeClr val="bg2">
+                    <a:lumMod val="50000"/>
+                  </a:schemeClr>
+                </a:solidFill>
+                <a:latin typeface="Times New Roman" panose="02020603050405020304" pitchFamily="18" charset="0"/>
+                <a:cs typeface="Times New Roman" panose="02020603050405020304" pitchFamily="18" charset="0"/>
+              </a:rPr>
+              <a:t>05/20</a:t>
+            </a:r>
+            <a:endParaRPr lang="ja-JP" altLang="en-US" sz="1400" dirty="0">
+              <a:solidFill>
+                <a:schemeClr val="bg2">
+                  <a:lumMod val="50000"/>
+                </a:schemeClr>
+              </a:solidFill>
+              <a:latin typeface="Times New Roman" panose="02020603050405020304" pitchFamily="18" charset="0"/>
+              <a:cs typeface="Times New Roman" panose="02020603050405020304" pitchFamily="18" charset="0"/>
+            </a:endParaRPr>
+          </a:p>
+          <a:p>
+            <a:endParaRPr lang="ja-JP" altLang="en-US" sz="1400" dirty="0">
+              <a:solidFill>
+                <a:schemeClr val="bg2">
+                  <a:lumMod val="50000"/>
+                </a:schemeClr>
+              </a:solidFill>
+              <a:latin typeface="Times New Roman" panose="02020603050405020304" pitchFamily="18" charset="0"/>
+              <a:cs typeface="Times New Roman" panose="02020603050405020304" pitchFamily="18" charset="0"/>
+            </a:endParaRPr>
+          </a:p>
+        </p:txBody>
+      </p:sp>
       <p:grpSp>
         <p:nvGrpSpPr>
-          <p:cNvPr id="38" name="グループ化 37">
+          <p:cNvPr id="18" name="グループ化 17">
             <a:extLst>
               <a:ext uri="{FF2B5EF4-FFF2-40B4-BE49-F238E27FC236}">
-                <a16:creationId xmlns:a16="http://schemas.microsoft.com/office/drawing/2014/main" id="{815814B2-C0EA-41D7-85A7-491797B1867B}"/>
+                <a16:creationId xmlns:a16="http://schemas.microsoft.com/office/drawing/2014/main" id="{B6EBDBFB-4AB2-467F-A50B-A156C9B26FF1}"/>
               </a:ext>
             </a:extLst>
           </p:cNvPr>
@@ -3415,201 +3667,12 @@
         </p:nvGrpSpPr>
         <p:grpSpPr>
           <a:xfrm>
-            <a:off x="3697431" y="906665"/>
-            <a:ext cx="5233014" cy="936905"/>
-            <a:chOff x="3697431" y="2649736"/>
-            <a:chExt cx="5233014" cy="936905"/>
+            <a:off x="2596900" y="1319040"/>
+            <a:ext cx="3801323" cy="263211"/>
+            <a:chOff x="2596894" y="1336992"/>
+            <a:chExt cx="3801323" cy="416096"/>
           </a:xfrm>
         </p:grpSpPr>
-        <p:sp>
-          <p:nvSpPr>
-            <p:cNvPr id="7" name="テキスト ボックス 6">
-              <a:extLst>
-                <a:ext uri="{FF2B5EF4-FFF2-40B4-BE49-F238E27FC236}">
-                  <a16:creationId xmlns:a16="http://schemas.microsoft.com/office/drawing/2014/main" id="{ED0EE0EA-C2B0-470A-AF50-E34F63600C6A}"/>
-                </a:ext>
-              </a:extLst>
-            </p:cNvPr>
-            <p:cNvSpPr txBox="1"/>
-            <p:nvPr/>
-          </p:nvSpPr>
-          <p:spPr>
-            <a:xfrm>
-              <a:off x="3697431" y="2918076"/>
-              <a:ext cx="1470128" cy="523220"/>
-            </a:xfrm>
-            <a:prstGeom prst="rect">
-              <a:avLst/>
-            </a:prstGeom>
-            <a:noFill/>
-          </p:spPr>
-          <p:txBody>
-            <a:bodyPr wrap="square" rtlCol="0">
-              <a:spAutoFit/>
-            </a:bodyPr>
-            <a:lstStyle/>
-            <a:p>
-              <a:r>
-                <a:rPr lang="en-US" altLang="ja-JP" sz="1400" dirty="0">
-                  <a:solidFill>
-                    <a:schemeClr val="bg2">
-                      <a:lumMod val="50000"/>
-                    </a:schemeClr>
-                  </a:solidFill>
-                  <a:latin typeface="Times New Roman" panose="02020603050405020304" pitchFamily="18" charset="0"/>
-                  <a:cs typeface="Times New Roman" panose="02020603050405020304" pitchFamily="18" charset="0"/>
-                </a:rPr>
-                <a:t>2018/04/01</a:t>
-              </a:r>
-              <a:endParaRPr lang="ja-JP" altLang="en-US" sz="1400" dirty="0">
-                <a:solidFill>
-                  <a:schemeClr val="bg2">
-                    <a:lumMod val="50000"/>
-                  </a:schemeClr>
-                </a:solidFill>
-                <a:latin typeface="Times New Roman" panose="02020603050405020304" pitchFamily="18" charset="0"/>
-                <a:cs typeface="Times New Roman" panose="02020603050405020304" pitchFamily="18" charset="0"/>
-              </a:endParaRPr>
-            </a:p>
-            <a:p>
-              <a:endParaRPr lang="ja-JP" altLang="en-US" sz="1400" dirty="0">
-                <a:solidFill>
-                  <a:schemeClr val="bg2">
-                    <a:lumMod val="50000"/>
-                  </a:schemeClr>
-                </a:solidFill>
-                <a:latin typeface="Times New Roman" panose="02020603050405020304" pitchFamily="18" charset="0"/>
-                <a:cs typeface="Times New Roman" panose="02020603050405020304" pitchFamily="18" charset="0"/>
-              </a:endParaRPr>
-            </a:p>
-          </p:txBody>
-        </p:sp>
-        <p:sp>
-          <p:nvSpPr>
-            <p:cNvPr id="8" name="テキスト ボックス 7">
-              <a:extLst>
-                <a:ext uri="{FF2B5EF4-FFF2-40B4-BE49-F238E27FC236}">
-                  <a16:creationId xmlns:a16="http://schemas.microsoft.com/office/drawing/2014/main" id="{7289AA34-BB96-47A8-A821-087AA4F05A1D}"/>
-                </a:ext>
-              </a:extLst>
-            </p:cNvPr>
-            <p:cNvSpPr txBox="1"/>
-            <p:nvPr/>
-          </p:nvSpPr>
-          <p:spPr>
-            <a:xfrm>
-              <a:off x="7460317" y="2916123"/>
-              <a:ext cx="1470128" cy="523220"/>
-            </a:xfrm>
-            <a:prstGeom prst="rect">
-              <a:avLst/>
-            </a:prstGeom>
-            <a:noFill/>
-          </p:spPr>
-          <p:txBody>
-            <a:bodyPr wrap="square" rtlCol="0">
-              <a:spAutoFit/>
-            </a:bodyPr>
-            <a:lstStyle/>
-            <a:p>
-              <a:r>
-                <a:rPr lang="en-US" altLang="ja-JP" sz="1400" dirty="0">
-                  <a:solidFill>
-                    <a:schemeClr val="bg2">
-                      <a:lumMod val="50000"/>
-                    </a:schemeClr>
-                  </a:solidFill>
-                  <a:latin typeface="Times New Roman" panose="02020603050405020304" pitchFamily="18" charset="0"/>
-                  <a:cs typeface="Times New Roman" panose="02020603050405020304" pitchFamily="18" charset="0"/>
-                </a:rPr>
-                <a:t>2018/06/31</a:t>
-              </a:r>
-              <a:endParaRPr lang="ja-JP" altLang="en-US" sz="1400" dirty="0">
-                <a:solidFill>
-                  <a:schemeClr val="bg2">
-                    <a:lumMod val="50000"/>
-                  </a:schemeClr>
-                </a:solidFill>
-                <a:latin typeface="Times New Roman" panose="02020603050405020304" pitchFamily="18" charset="0"/>
-                <a:cs typeface="Times New Roman" panose="02020603050405020304" pitchFamily="18" charset="0"/>
-              </a:endParaRPr>
-            </a:p>
-            <a:p>
-              <a:endParaRPr lang="ja-JP" altLang="en-US" sz="1400" dirty="0">
-                <a:solidFill>
-                  <a:schemeClr val="bg2">
-                    <a:lumMod val="50000"/>
-                  </a:schemeClr>
-                </a:solidFill>
-                <a:latin typeface="Times New Roman" panose="02020603050405020304" pitchFamily="18" charset="0"/>
-                <a:cs typeface="Times New Roman" panose="02020603050405020304" pitchFamily="18" charset="0"/>
-              </a:endParaRPr>
-            </a:p>
-          </p:txBody>
-        </p:sp>
-        <p:sp>
-          <p:nvSpPr>
-            <p:cNvPr id="11" name="テキスト ボックス 10">
-              <a:extLst>
-                <a:ext uri="{FF2B5EF4-FFF2-40B4-BE49-F238E27FC236}">
-                  <a16:creationId xmlns:a16="http://schemas.microsoft.com/office/drawing/2014/main" id="{4319649E-9732-4E75-9A7E-FE66B5CCAD62}"/>
-                </a:ext>
-              </a:extLst>
-            </p:cNvPr>
-            <p:cNvSpPr txBox="1"/>
-            <p:nvPr/>
-          </p:nvSpPr>
-          <p:spPr>
-            <a:xfrm>
-              <a:off x="6605680" y="2908936"/>
-              <a:ext cx="702884" cy="523220"/>
-            </a:xfrm>
-            <a:prstGeom prst="rect">
-              <a:avLst/>
-            </a:prstGeom>
-            <a:noFill/>
-          </p:spPr>
-          <p:txBody>
-            <a:bodyPr wrap="square" rtlCol="0">
-              <a:spAutoFit/>
-            </a:bodyPr>
-            <a:lstStyle/>
-            <a:p>
-              <a:r>
-                <a:rPr lang="en-US" altLang="ja-JP" sz="1400" dirty="0">
-                  <a:solidFill>
-                    <a:schemeClr val="bg2">
-                      <a:lumMod val="50000"/>
-                    </a:schemeClr>
-                  </a:solidFill>
-                  <a:latin typeface="Times New Roman" panose="02020603050405020304" pitchFamily="18" charset="0"/>
-                  <a:cs typeface="Times New Roman" panose="02020603050405020304" pitchFamily="18" charset="0"/>
-                </a:rPr>
-                <a:t>06/20</a:t>
-              </a:r>
-              <a:endParaRPr lang="ja-JP" altLang="en-US" sz="1400" dirty="0">
-                <a:solidFill>
-                  <a:schemeClr val="bg2">
-                    <a:lumMod val="50000"/>
-                  </a:schemeClr>
-                </a:solidFill>
-                <a:latin typeface="Times New Roman" panose="02020603050405020304" pitchFamily="18" charset="0"/>
-                <a:cs typeface="Times New Roman" panose="02020603050405020304" pitchFamily="18" charset="0"/>
-              </a:endParaRPr>
-            </a:p>
-            <a:p>
-              <a:endParaRPr lang="ja-JP" altLang="en-US" sz="1400" dirty="0">
-                <a:solidFill>
-                  <a:schemeClr val="bg2">
-                    <a:lumMod val="50000"/>
-                  </a:schemeClr>
-                </a:solidFill>
-                <a:latin typeface="Times New Roman" panose="02020603050405020304" pitchFamily="18" charset="0"/>
-                <a:cs typeface="Times New Roman" panose="02020603050405020304" pitchFamily="18" charset="0"/>
-              </a:endParaRPr>
-            </a:p>
-          </p:txBody>
-        </p:sp>
         <p:cxnSp>
           <p:nvCxnSpPr>
             <p:cNvPr id="13" name="直線矢印コネクタ 12">
@@ -3619,12 +3682,14 @@
                 </a:ext>
               </a:extLst>
             </p:cNvPr>
-            <p:cNvCxnSpPr/>
+            <p:cNvCxnSpPr>
+              <a:cxnSpLocks/>
+            </p:cNvCxnSpPr>
             <p:nvPr/>
           </p:nvCxnSpPr>
           <p:spPr>
             <a:xfrm>
-              <a:off x="7993655" y="3177733"/>
+              <a:off x="6398217" y="1344177"/>
               <a:ext cx="0" cy="408908"/>
             </a:xfrm>
             <a:prstGeom prst="straightConnector1">
@@ -3664,12 +3729,14 @@
                 </a:ext>
               </a:extLst>
             </p:cNvPr>
-            <p:cNvCxnSpPr/>
+            <p:cNvCxnSpPr>
+              <a:cxnSpLocks/>
+            </p:cNvCxnSpPr>
             <p:nvPr/>
           </p:nvCxnSpPr>
           <p:spPr>
             <a:xfrm>
-              <a:off x="4192332" y="3177733"/>
+              <a:off x="2596894" y="1344177"/>
               <a:ext cx="0" cy="408908"/>
             </a:xfrm>
             <a:prstGeom prst="straightConnector1">
@@ -3709,13 +3776,15 @@
                 </a:ext>
               </a:extLst>
             </p:cNvPr>
-            <p:cNvCxnSpPr/>
+            <p:cNvCxnSpPr>
+              <a:cxnSpLocks/>
+            </p:cNvCxnSpPr>
             <p:nvPr/>
           </p:nvCxnSpPr>
           <p:spPr>
             <a:xfrm>
-              <a:off x="6987264" y="3177733"/>
-              <a:ext cx="0" cy="408908"/>
+              <a:off x="5391826" y="1344179"/>
+              <a:ext cx="0" cy="408909"/>
             </a:xfrm>
             <a:prstGeom prst="straightConnector1">
               <a:avLst/>
@@ -3754,12 +3823,14 @@
                 </a:ext>
               </a:extLst>
             </p:cNvPr>
-            <p:cNvCxnSpPr/>
+            <p:cNvCxnSpPr>
+              <a:cxnSpLocks/>
+            </p:cNvCxnSpPr>
             <p:nvPr/>
           </p:nvCxnSpPr>
           <p:spPr>
             <a:xfrm>
-              <a:off x="5980874" y="3177733"/>
+              <a:off x="4385436" y="1344177"/>
               <a:ext cx="0" cy="408908"/>
             </a:xfrm>
             <a:prstGeom prst="straightConnector1">
@@ -3790,69 +3861,6 @@
             </a:fontRef>
           </p:style>
         </p:cxnSp>
-        <p:sp>
-          <p:nvSpPr>
-            <p:cNvPr id="17" name="テキスト ボックス 16">
-              <a:extLst>
-                <a:ext uri="{FF2B5EF4-FFF2-40B4-BE49-F238E27FC236}">
-                  <a16:creationId xmlns:a16="http://schemas.microsoft.com/office/drawing/2014/main" id="{0DCCF278-4557-4DB2-875A-DCB9873419A6}"/>
-                </a:ext>
-              </a:extLst>
-            </p:cNvPr>
-            <p:cNvSpPr txBox="1"/>
-            <p:nvPr/>
-          </p:nvSpPr>
-          <p:spPr>
-            <a:xfrm>
-              <a:off x="5632132" y="2902316"/>
-              <a:ext cx="702884" cy="523220"/>
-            </a:xfrm>
-            <a:prstGeom prst="rect">
-              <a:avLst/>
-            </a:prstGeom>
-            <a:noFill/>
-          </p:spPr>
-          <p:txBody>
-            <a:bodyPr wrap="square" rtlCol="0">
-              <a:spAutoFit/>
-            </a:bodyPr>
-            <a:lstStyle/>
-            <a:p>
-              <a:r>
-                <a:rPr lang="en-US" altLang="ja-JP" sz="1400" dirty="0">
-                  <a:solidFill>
-                    <a:schemeClr val="bg2">
-                      <a:lumMod val="50000"/>
-                    </a:schemeClr>
-                  </a:solidFill>
-                  <a:latin typeface="Times New Roman" panose="02020603050405020304" pitchFamily="18" charset="0"/>
-                  <a:cs typeface="Times New Roman" panose="02020603050405020304" pitchFamily="18" charset="0"/>
-                </a:rPr>
-                <a:t>05/20</a:t>
-              </a:r>
-              <a:endParaRPr lang="ja-JP" altLang="en-US" sz="1400" dirty="0">
-                <a:solidFill>
-                  <a:schemeClr val="bg2">
-                    <a:lumMod val="50000"/>
-                  </a:schemeClr>
-                </a:solidFill>
-                <a:latin typeface="Times New Roman" panose="02020603050405020304" pitchFamily="18" charset="0"/>
-                <a:cs typeface="Times New Roman" panose="02020603050405020304" pitchFamily="18" charset="0"/>
-              </a:endParaRPr>
-            </a:p>
-            <a:p>
-              <a:endParaRPr lang="ja-JP" altLang="en-US" sz="1400" dirty="0">
-                <a:solidFill>
-                  <a:schemeClr val="bg2">
-                    <a:lumMod val="50000"/>
-                  </a:schemeClr>
-                </a:solidFill>
-                <a:latin typeface="Times New Roman" panose="02020603050405020304" pitchFamily="18" charset="0"/>
-                <a:cs typeface="Times New Roman" panose="02020603050405020304" pitchFamily="18" charset="0"/>
-              </a:endParaRPr>
-            </a:p>
-          </p:txBody>
-        </p:sp>
         <p:cxnSp>
           <p:nvCxnSpPr>
             <p:cNvPr id="22" name="直線矢印コネクタ 21">
@@ -3862,13 +3870,15 @@
                 </a:ext>
               </a:extLst>
             </p:cNvPr>
-            <p:cNvCxnSpPr/>
+            <p:cNvCxnSpPr>
+              <a:cxnSpLocks/>
+            </p:cNvCxnSpPr>
             <p:nvPr/>
           </p:nvCxnSpPr>
           <p:spPr>
             <a:xfrm>
-              <a:off x="4999043" y="3170546"/>
-              <a:ext cx="0" cy="408908"/>
+              <a:off x="3403605" y="1336992"/>
+              <a:ext cx="0" cy="408909"/>
             </a:xfrm>
             <a:prstGeom prst="straightConnector1">
               <a:avLst/>
@@ -3898,47 +3908,37 @@
             </a:fontRef>
           </p:style>
         </p:cxnSp>
-        <p:sp>
-          <p:nvSpPr>
-            <p:cNvPr id="23" name="テキスト ボックス 22">
-              <a:extLst>
-                <a:ext uri="{FF2B5EF4-FFF2-40B4-BE49-F238E27FC236}">
-                  <a16:creationId xmlns:a16="http://schemas.microsoft.com/office/drawing/2014/main" id="{5CA6F5E0-D030-4365-AFF8-155FAC86BC80}"/>
-                </a:ext>
-              </a:extLst>
-            </p:cNvPr>
-            <p:cNvSpPr txBox="1"/>
-            <p:nvPr/>
-          </p:nvSpPr>
-          <p:spPr>
-            <a:xfrm>
-              <a:off x="4678629" y="2914354"/>
-              <a:ext cx="677694" cy="523220"/>
-            </a:xfrm>
-            <a:prstGeom prst="rect">
-              <a:avLst/>
-            </a:prstGeom>
-            <a:noFill/>
-          </p:spPr>
-          <p:txBody>
-            <a:bodyPr wrap="square" rtlCol="0">
-              <a:spAutoFit/>
-            </a:bodyPr>
-            <a:lstStyle/>
-            <a:p>
-              <a:r>
-                <a:rPr lang="en-US" altLang="ja-JP" sz="1400" dirty="0">
-                  <a:solidFill>
-                    <a:schemeClr val="bg2">
-                      <a:lumMod val="50000"/>
-                    </a:schemeClr>
-                  </a:solidFill>
-                  <a:latin typeface="Times New Roman" panose="02020603050405020304" pitchFamily="18" charset="0"/>
-                  <a:cs typeface="Times New Roman" panose="02020603050405020304" pitchFamily="18" charset="0"/>
-                </a:rPr>
-                <a:t>04/20</a:t>
-              </a:r>
-              <a:endParaRPr lang="ja-JP" altLang="en-US" sz="1400" dirty="0">
+      </p:grpSp>
+      <p:sp>
+        <p:nvSpPr>
+          <p:cNvPr id="23" name="テキスト ボックス 22">
+            <a:extLst>
+              <a:ext uri="{FF2B5EF4-FFF2-40B4-BE49-F238E27FC236}">
+                <a16:creationId xmlns:a16="http://schemas.microsoft.com/office/drawing/2014/main" id="{5CA6F5E0-D030-4365-AFF8-155FAC86BC80}"/>
+              </a:ext>
+            </a:extLst>
+          </p:cNvPr>
+          <p:cNvSpPr txBox="1"/>
+          <p:nvPr/>
+        </p:nvSpPr>
+        <p:spPr>
+          <a:xfrm>
+            <a:off x="3083191" y="1076215"/>
+            <a:ext cx="677694" cy="523219"/>
+          </a:xfrm>
+          <a:prstGeom prst="rect">
+            <a:avLst/>
+          </a:prstGeom>
+          <a:noFill/>
+        </p:spPr>
+        <p:txBody>
+          <a:bodyPr wrap="square" rtlCol="0">
+            <a:spAutoFit/>
+          </a:bodyPr>
+          <a:lstStyle/>
+          <a:p>
+            <a:r>
+              <a:rPr lang="en-US" altLang="ja-JP" sz="1400" dirty="0">
                 <a:solidFill>
                   <a:schemeClr val="bg2">
                     <a:lumMod val="50000"/>
@@ -3946,190 +3946,200 @@
                 </a:solidFill>
                 <a:latin typeface="Times New Roman" panose="02020603050405020304" pitchFamily="18" charset="0"/>
                 <a:cs typeface="Times New Roman" panose="02020603050405020304" pitchFamily="18" charset="0"/>
-              </a:endParaRPr>
-            </a:p>
-            <a:p>
-              <a:endParaRPr lang="ja-JP" altLang="en-US" sz="1400" dirty="0">
+              </a:rPr>
+              <a:t>04/20</a:t>
+            </a:r>
+            <a:endParaRPr lang="ja-JP" altLang="en-US" sz="1400" dirty="0">
+              <a:solidFill>
+                <a:schemeClr val="bg2">
+                  <a:lumMod val="50000"/>
+                </a:schemeClr>
+              </a:solidFill>
+              <a:latin typeface="Times New Roman" panose="02020603050405020304" pitchFamily="18" charset="0"/>
+              <a:cs typeface="Times New Roman" panose="02020603050405020304" pitchFamily="18" charset="0"/>
+            </a:endParaRPr>
+          </a:p>
+          <a:p>
+            <a:endParaRPr lang="ja-JP" altLang="en-US" sz="1400" dirty="0">
+              <a:solidFill>
+                <a:schemeClr val="bg2">
+                  <a:lumMod val="50000"/>
+                </a:schemeClr>
+              </a:solidFill>
+              <a:latin typeface="Times New Roman" panose="02020603050405020304" pitchFamily="18" charset="0"/>
+              <a:cs typeface="Times New Roman" panose="02020603050405020304" pitchFamily="18" charset="0"/>
+            </a:endParaRPr>
+          </a:p>
+        </p:txBody>
+      </p:sp>
+      <p:sp>
+        <p:nvSpPr>
+          <p:cNvPr id="30" name="テキスト ボックス 29">
+            <a:extLst>
+              <a:ext uri="{FF2B5EF4-FFF2-40B4-BE49-F238E27FC236}">
+                <a16:creationId xmlns:a16="http://schemas.microsoft.com/office/drawing/2014/main" id="{CEE34439-7BEE-4A71-9FAD-DEB6FAD12A45}"/>
+              </a:ext>
+            </a:extLst>
+          </p:cNvPr>
+          <p:cNvSpPr txBox="1"/>
+          <p:nvPr/>
+        </p:nvSpPr>
+        <p:spPr>
+          <a:xfrm>
+            <a:off x="2982513" y="820583"/>
+            <a:ext cx="1007395" cy="307777"/>
+          </a:xfrm>
+          <a:prstGeom prst="rect">
+            <a:avLst/>
+          </a:prstGeom>
+          <a:noFill/>
+        </p:spPr>
+        <p:txBody>
+          <a:bodyPr wrap="square" rtlCol="0">
+            <a:spAutoFit/>
+          </a:bodyPr>
+          <a:lstStyle/>
+          <a:p>
+            <a:r>
+              <a:rPr lang="en-US" altLang="ja-JP" sz="1400" dirty="0">
                 <a:solidFill>
                   <a:schemeClr val="bg2">
                     <a:lumMod val="50000"/>
                   </a:schemeClr>
                 </a:solidFill>
                 <a:latin typeface="Times New Roman" panose="02020603050405020304" pitchFamily="18" charset="0"/>
+                <a:ea typeface="ＭＳ 明朝" panose="02020609040205080304" pitchFamily="17" charset="-128"/>
                 <a:cs typeface="Times New Roman" panose="02020603050405020304" pitchFamily="18" charset="0"/>
-              </a:endParaRPr>
-            </a:p>
-          </p:txBody>
-        </p:sp>
-        <p:sp>
-          <p:nvSpPr>
-            <p:cNvPr id="30" name="テキスト ボックス 29">
-              <a:extLst>
-                <a:ext uri="{FF2B5EF4-FFF2-40B4-BE49-F238E27FC236}">
-                  <a16:creationId xmlns:a16="http://schemas.microsoft.com/office/drawing/2014/main" id="{CEE34439-7BEE-4A71-9FAD-DEB6FAD12A45}"/>
-                </a:ext>
-              </a:extLst>
-            </p:cNvPr>
-            <p:cNvSpPr txBox="1"/>
-            <p:nvPr/>
-          </p:nvSpPr>
-          <p:spPr>
-            <a:xfrm>
-              <a:off x="4577945" y="2658721"/>
-              <a:ext cx="1007395" cy="307777"/>
-            </a:xfrm>
-            <a:prstGeom prst="rect">
-              <a:avLst/>
-            </a:prstGeom>
-            <a:noFill/>
-          </p:spPr>
-          <p:txBody>
-            <a:bodyPr wrap="square" rtlCol="0">
-              <a:spAutoFit/>
-            </a:bodyPr>
-            <a:lstStyle/>
-            <a:p>
-              <a:r>
-                <a:rPr lang="en-US" altLang="ja-JP" sz="1400" dirty="0">
-                  <a:solidFill>
-                    <a:schemeClr val="bg2">
-                      <a:lumMod val="50000"/>
-                    </a:schemeClr>
-                  </a:solidFill>
-                  <a:latin typeface="Times New Roman" panose="02020603050405020304" pitchFamily="18" charset="0"/>
-                  <a:ea typeface="ＭＳ 明朝" panose="02020609040205080304" pitchFamily="17" charset="-128"/>
-                  <a:cs typeface="Times New Roman" panose="02020603050405020304" pitchFamily="18" charset="0"/>
-                </a:rPr>
-                <a:t>IBES</a:t>
-              </a:r>
-              <a:r>
-                <a:rPr lang="ja-JP" altLang="en-US" sz="1400" dirty="0">
-                  <a:solidFill>
-                    <a:schemeClr val="bg2">
-                      <a:lumMod val="50000"/>
-                    </a:schemeClr>
-                  </a:solidFill>
-                  <a:latin typeface="ＭＳ 明朝" panose="02020609040205080304" pitchFamily="17" charset="-128"/>
-                  <a:ea typeface="ＭＳ 明朝" panose="02020609040205080304" pitchFamily="17" charset="-128"/>
-                </a:rPr>
-                <a:t>更新</a:t>
-              </a:r>
-            </a:p>
-          </p:txBody>
-        </p:sp>
-        <p:sp>
-          <p:nvSpPr>
-            <p:cNvPr id="31" name="テキスト ボックス 30">
-              <a:extLst>
-                <a:ext uri="{FF2B5EF4-FFF2-40B4-BE49-F238E27FC236}">
-                  <a16:creationId xmlns:a16="http://schemas.microsoft.com/office/drawing/2014/main" id="{69B67636-6A57-4B37-B3C5-243265B44FD2}"/>
-                </a:ext>
-              </a:extLst>
-            </p:cNvPr>
-            <p:cNvSpPr txBox="1"/>
-            <p:nvPr/>
-          </p:nvSpPr>
-          <p:spPr>
-            <a:xfrm>
-              <a:off x="5537228" y="2658721"/>
-              <a:ext cx="1007395" cy="307777"/>
-            </a:xfrm>
-            <a:prstGeom prst="rect">
-              <a:avLst/>
-            </a:prstGeom>
-            <a:noFill/>
-          </p:spPr>
-          <p:txBody>
-            <a:bodyPr wrap="square" rtlCol="0">
-              <a:spAutoFit/>
-            </a:bodyPr>
-            <a:lstStyle/>
-            <a:p>
-              <a:r>
-                <a:rPr lang="en-US" altLang="ja-JP" sz="1400" dirty="0">
-                  <a:solidFill>
-                    <a:schemeClr val="bg2">
-                      <a:lumMod val="50000"/>
-                    </a:schemeClr>
-                  </a:solidFill>
-                  <a:latin typeface="Times New Roman" panose="02020603050405020304" pitchFamily="18" charset="0"/>
-                  <a:ea typeface="ＭＳ 明朝" panose="02020609040205080304" pitchFamily="17" charset="-128"/>
-                  <a:cs typeface="Times New Roman" panose="02020603050405020304" pitchFamily="18" charset="0"/>
-                </a:rPr>
-                <a:t>IBES</a:t>
-              </a:r>
-              <a:r>
-                <a:rPr lang="ja-JP" altLang="en-US" sz="1400" dirty="0">
-                  <a:solidFill>
-                    <a:schemeClr val="bg2">
-                      <a:lumMod val="50000"/>
-                    </a:schemeClr>
-                  </a:solidFill>
-                  <a:latin typeface="ＭＳ 明朝" panose="02020609040205080304" pitchFamily="17" charset="-128"/>
-                  <a:ea typeface="ＭＳ 明朝" panose="02020609040205080304" pitchFamily="17" charset="-128"/>
-                </a:rPr>
-                <a:t>更新</a:t>
-              </a:r>
-            </a:p>
-          </p:txBody>
-        </p:sp>
-        <p:sp>
-          <p:nvSpPr>
-            <p:cNvPr id="32" name="テキスト ボックス 31">
-              <a:extLst>
-                <a:ext uri="{FF2B5EF4-FFF2-40B4-BE49-F238E27FC236}">
-                  <a16:creationId xmlns:a16="http://schemas.microsoft.com/office/drawing/2014/main" id="{A595F4CA-3EA0-4599-B0EA-C96006F94C03}"/>
-                </a:ext>
-              </a:extLst>
-            </p:cNvPr>
-            <p:cNvSpPr txBox="1"/>
-            <p:nvPr/>
-          </p:nvSpPr>
-          <p:spPr>
-            <a:xfrm>
-              <a:off x="6547304" y="2649736"/>
-              <a:ext cx="1007395" cy="307777"/>
-            </a:xfrm>
-            <a:prstGeom prst="rect">
-              <a:avLst/>
-            </a:prstGeom>
-            <a:noFill/>
-          </p:spPr>
-          <p:txBody>
-            <a:bodyPr wrap="square" rtlCol="0">
-              <a:spAutoFit/>
-            </a:bodyPr>
-            <a:lstStyle/>
-            <a:p>
-              <a:r>
-                <a:rPr lang="en-US" altLang="ja-JP" sz="1400" dirty="0">
-                  <a:solidFill>
-                    <a:schemeClr val="bg2">
-                      <a:lumMod val="50000"/>
-                    </a:schemeClr>
-                  </a:solidFill>
-                  <a:latin typeface="Times New Roman" panose="02020603050405020304" pitchFamily="18" charset="0"/>
-                  <a:ea typeface="ＭＳ 明朝" panose="02020609040205080304" pitchFamily="17" charset="-128"/>
-                  <a:cs typeface="Times New Roman" panose="02020603050405020304" pitchFamily="18" charset="0"/>
-                </a:rPr>
-                <a:t>IBES</a:t>
-              </a:r>
-              <a:r>
-                <a:rPr lang="ja-JP" altLang="en-US" sz="1400" dirty="0">
-                  <a:solidFill>
-                    <a:schemeClr val="bg2">
-                      <a:lumMod val="50000"/>
-                    </a:schemeClr>
-                  </a:solidFill>
-                  <a:latin typeface="ＭＳ 明朝" panose="02020609040205080304" pitchFamily="17" charset="-128"/>
-                  <a:ea typeface="ＭＳ 明朝" panose="02020609040205080304" pitchFamily="17" charset="-128"/>
-                </a:rPr>
-                <a:t>更新</a:t>
-              </a:r>
-            </a:p>
-          </p:txBody>
-        </p:sp>
-      </p:grpSp>
+              </a:rPr>
+              <a:t>IBES</a:t>
+            </a:r>
+            <a:r>
+              <a:rPr lang="ja-JP" altLang="en-US" sz="1400" dirty="0">
+                <a:solidFill>
+                  <a:schemeClr val="bg2">
+                    <a:lumMod val="50000"/>
+                  </a:schemeClr>
+                </a:solidFill>
+                <a:latin typeface="ＭＳ 明朝" panose="02020609040205080304" pitchFamily="17" charset="-128"/>
+                <a:ea typeface="ＭＳ 明朝" panose="02020609040205080304" pitchFamily="17" charset="-128"/>
+              </a:rPr>
+              <a:t>更新</a:t>
+            </a:r>
+          </a:p>
+        </p:txBody>
+      </p:sp>
+      <p:sp>
+        <p:nvSpPr>
+          <p:cNvPr id="31" name="テキスト ボックス 30">
+            <a:extLst>
+              <a:ext uri="{FF2B5EF4-FFF2-40B4-BE49-F238E27FC236}">
+                <a16:creationId xmlns:a16="http://schemas.microsoft.com/office/drawing/2014/main" id="{69B67636-6A57-4B37-B3C5-243265B44FD2}"/>
+              </a:ext>
+            </a:extLst>
+          </p:cNvPr>
+          <p:cNvSpPr txBox="1"/>
+          <p:nvPr/>
+        </p:nvSpPr>
+        <p:spPr>
+          <a:xfrm>
+            <a:off x="3941796" y="820582"/>
+            <a:ext cx="1007395" cy="307777"/>
+          </a:xfrm>
+          <a:prstGeom prst="rect">
+            <a:avLst/>
+          </a:prstGeom>
+          <a:noFill/>
+        </p:spPr>
+        <p:txBody>
+          <a:bodyPr wrap="square" rtlCol="0">
+            <a:spAutoFit/>
+          </a:bodyPr>
+          <a:lstStyle/>
+          <a:p>
+            <a:r>
+              <a:rPr lang="en-US" altLang="ja-JP" sz="1400" dirty="0">
+                <a:solidFill>
+                  <a:schemeClr val="bg2">
+                    <a:lumMod val="50000"/>
+                  </a:schemeClr>
+                </a:solidFill>
+                <a:latin typeface="Times New Roman" panose="02020603050405020304" pitchFamily="18" charset="0"/>
+                <a:ea typeface="ＭＳ 明朝" panose="02020609040205080304" pitchFamily="17" charset="-128"/>
+                <a:cs typeface="Times New Roman" panose="02020603050405020304" pitchFamily="18" charset="0"/>
+              </a:rPr>
+              <a:t>IBES</a:t>
+            </a:r>
+            <a:r>
+              <a:rPr lang="ja-JP" altLang="en-US" sz="1400" dirty="0">
+                <a:solidFill>
+                  <a:schemeClr val="bg2">
+                    <a:lumMod val="50000"/>
+                  </a:schemeClr>
+                </a:solidFill>
+                <a:latin typeface="ＭＳ 明朝" panose="02020609040205080304" pitchFamily="17" charset="-128"/>
+                <a:ea typeface="ＭＳ 明朝" panose="02020609040205080304" pitchFamily="17" charset="-128"/>
+              </a:rPr>
+              <a:t>更新</a:t>
+            </a:r>
+          </a:p>
+        </p:txBody>
+      </p:sp>
+      <p:sp>
+        <p:nvSpPr>
+          <p:cNvPr id="32" name="テキスト ボックス 31">
+            <a:extLst>
+              <a:ext uri="{FF2B5EF4-FFF2-40B4-BE49-F238E27FC236}">
+                <a16:creationId xmlns:a16="http://schemas.microsoft.com/office/drawing/2014/main" id="{A595F4CA-3EA0-4599-B0EA-C96006F94C03}"/>
+              </a:ext>
+            </a:extLst>
+          </p:cNvPr>
+          <p:cNvSpPr txBox="1"/>
+          <p:nvPr/>
+        </p:nvSpPr>
+        <p:spPr>
+          <a:xfrm>
+            <a:off x="4951872" y="811597"/>
+            <a:ext cx="1007395" cy="307777"/>
+          </a:xfrm>
+          <a:prstGeom prst="rect">
+            <a:avLst/>
+          </a:prstGeom>
+          <a:noFill/>
+        </p:spPr>
+        <p:txBody>
+          <a:bodyPr wrap="square" rtlCol="0">
+            <a:spAutoFit/>
+          </a:bodyPr>
+          <a:lstStyle/>
+          <a:p>
+            <a:r>
+              <a:rPr lang="en-US" altLang="ja-JP" sz="1400" dirty="0">
+                <a:solidFill>
+                  <a:schemeClr val="bg2">
+                    <a:lumMod val="50000"/>
+                  </a:schemeClr>
+                </a:solidFill>
+                <a:latin typeface="Times New Roman" panose="02020603050405020304" pitchFamily="18" charset="0"/>
+                <a:ea typeface="ＭＳ 明朝" panose="02020609040205080304" pitchFamily="17" charset="-128"/>
+                <a:cs typeface="Times New Roman" panose="02020603050405020304" pitchFamily="18" charset="0"/>
+              </a:rPr>
+              <a:t>IBES</a:t>
+            </a:r>
+            <a:r>
+              <a:rPr lang="ja-JP" altLang="en-US" sz="1400" dirty="0">
+                <a:solidFill>
+                  <a:schemeClr val="bg2">
+                    <a:lumMod val="50000"/>
+                  </a:schemeClr>
+                </a:solidFill>
+                <a:latin typeface="ＭＳ 明朝" panose="02020609040205080304" pitchFamily="17" charset="-128"/>
+                <a:ea typeface="ＭＳ 明朝" panose="02020609040205080304" pitchFamily="17" charset="-128"/>
+              </a:rPr>
+              <a:t>更新</a:t>
+            </a:r>
+          </a:p>
+        </p:txBody>
+      </p:sp>
       <p:sp>
         <p:nvSpPr>
           <p:cNvPr id="27" name="テキスト ボックス 26">
@@ -4144,7 +4154,7 @@
         </p:nvSpPr>
         <p:spPr>
           <a:xfrm>
-            <a:off x="4082908" y="2924720"/>
+            <a:off x="2487470" y="2340345"/>
             <a:ext cx="4801314" cy="646331"/>
           </a:xfrm>
           <a:prstGeom prst="rect">
@@ -4224,8 +4234,8 @@
         </p:nvCxnSpPr>
         <p:spPr>
           <a:xfrm>
-            <a:off x="6483565" y="1010194"/>
-            <a:ext cx="6" cy="853828"/>
+            <a:off x="4886128" y="852885"/>
+            <a:ext cx="2011" cy="749813"/>
           </a:xfrm>
           <a:prstGeom prst="straightConnector1">
             <a:avLst/>
@@ -4263,13 +4273,14 @@
           </p:cNvPr>
           <p:cNvCxnSpPr>
             <a:cxnSpLocks/>
+            <a:stCxn id="27" idx="0"/>
           </p:cNvCxnSpPr>
           <p:nvPr/>
         </p:nvCxnSpPr>
         <p:spPr>
           <a:xfrm flipV="1">
-            <a:off x="6483565" y="2427582"/>
-            <a:ext cx="6" cy="496788"/>
+            <a:off x="4888136" y="1990500"/>
+            <a:ext cx="7" cy="349836"/>
           </a:xfrm>
           <a:prstGeom prst="straightConnector1">
             <a:avLst/>
@@ -4310,7 +4321,7 @@
         </p:nvSpPr>
         <p:spPr>
           <a:xfrm>
-            <a:off x="6103451" y="598028"/>
+            <a:off x="4508013" y="514498"/>
             <a:ext cx="791434" cy="400110"/>
           </a:xfrm>
           <a:prstGeom prst="rect">
@@ -4352,7 +4363,7 @@
         </p:nvSpPr>
         <p:spPr>
           <a:xfrm>
-            <a:off x="3081577" y="46220"/>
+            <a:off x="1486139" y="-37304"/>
             <a:ext cx="6823186" cy="646331"/>
           </a:xfrm>
           <a:prstGeom prst="rect">
@@ -4496,8 +4507,8 @@
         </p:nvSpPr>
         <p:spPr>
           <a:xfrm>
-            <a:off x="7993662" y="1885947"/>
-            <a:ext cx="3812791" cy="532650"/>
+            <a:off x="6398225" y="1624617"/>
+            <a:ext cx="2262383" cy="360000"/>
           </a:xfrm>
           <a:prstGeom prst="rect">
             <a:avLst/>
